--- a/JS/005_lesson/Presentation/Other_Js_possibilities.pptx
+++ b/JS/005_lesson/Presentation/Other_Js_possibilities.pptx
@@ -112,6 +112,22 @@
       </a:defRPr>
     </a:lvl9pPr>
   </p:defaultTextStyle>
+  <p:extLst>
+    <p:ext uri="{EFAFB233-063F-42B5-8137-9DF3F51BA10A}">
+      <p15:sldGuideLst xmlns:p15="http://schemas.microsoft.com/office/powerpoint/2012/main">
+        <p15:guide id="1" orient="horz" pos="2160">
+          <p15:clr>
+            <a:srgbClr val="A4A3A4"/>
+          </p15:clr>
+        </p15:guide>
+        <p15:guide id="2" pos="2880">
+          <p15:clr>
+            <a:srgbClr val="A4A3A4"/>
+          </p15:clr>
+        </p15:guide>
+      </p15:sldGuideLst>
+    </p:ext>
+  </p:extLst>
 </p:presentation>
 </file>
 
@@ -198,7 +214,7 @@
             <a:fld id="{878C5971-768E-4159-A95D-0A5E45D27E50}" type="datetimeFigureOut">
               <a:rPr lang="en-US" smtClean="0"/>
               <a:pPr/>
-              <a:t>7/28/2016</a:t>
+              <a:t>3/27/2017</a:t>
             </a:fld>
             <a:endParaRPr lang="en-US"/>
           </a:p>
@@ -264,35 +280,35 @@
           <a:p>
             <a:pPr lvl="0"/>
             <a:r>
-              <a:rPr lang="ru-RU" smtClean="0"/>
+              <a:rPr lang="ru-RU"/>
               <a:t>Образец текста</a:t>
             </a:r>
           </a:p>
           <a:p>
             <a:pPr lvl="1"/>
             <a:r>
-              <a:rPr lang="ru-RU" smtClean="0"/>
+              <a:rPr lang="ru-RU"/>
               <a:t>Второй уровень</a:t>
             </a:r>
           </a:p>
           <a:p>
             <a:pPr lvl="2"/>
             <a:r>
-              <a:rPr lang="ru-RU" smtClean="0"/>
+              <a:rPr lang="ru-RU"/>
               <a:t>Третий уровень</a:t>
             </a:r>
           </a:p>
           <a:p>
             <a:pPr lvl="3"/>
             <a:r>
-              <a:rPr lang="ru-RU" smtClean="0"/>
+              <a:rPr lang="ru-RU"/>
               <a:t>Четвертый уровень</a:t>
             </a:r>
           </a:p>
           <a:p>
             <a:pPr lvl="4"/>
             <a:r>
-              <a:rPr lang="ru-RU" smtClean="0"/>
+              <a:rPr lang="ru-RU"/>
               <a:t>Пятый уровень</a:t>
             </a:r>
             <a:endParaRPr lang="en-US"/>
@@ -601,10 +617,9 @@
           </a:lstStyle>
           <a:p>
             <a:r>
-              <a:rPr lang="en-US" dirty="0" smtClean="0"/>
+              <a:rPr lang="en-US" dirty="0"/>
               <a:t>title style</a:t>
             </a:r>
-            <a:endParaRPr lang="en-US" dirty="0"/>
           </a:p>
         </p:txBody>
       </p:sp>
@@ -724,7 +739,7 @@
           </a:lstStyle>
           <a:p>
             <a:r>
-              <a:rPr lang="ru-RU" smtClean="0"/>
+              <a:rPr lang="ru-RU"/>
               <a:t>Образец подзаголовка</a:t>
             </a:r>
             <a:endParaRPr lang="en-US" dirty="0"/>
@@ -1053,20 +1068,13 @@
     </p:spTree>
     <p:extLst>
       <p:ext uri="{BB962C8B-B14F-4D97-AF65-F5344CB8AC3E}">
-        <p14:creationId xmlns:p14="http://schemas.microsoft.com/office/powerpoint/2010/main" xmlns="" val="3537187278"/>
+        <p14:creationId xmlns:p14="http://schemas.microsoft.com/office/powerpoint/2010/main" val="3537187278"/>
       </p:ext>
     </p:extLst>
   </p:cSld>
   <p:clrMapOvr>
     <a:overrideClrMapping bg1="lt1" tx1="dk1" bg2="lt2" tx2="dk2" accent1="accent1" accent2="accent2" accent3="accent3" accent4="accent4" accent5="accent5" accent6="accent6" hlink="hlink" folHlink="folHlink"/>
   </p:clrMapOvr>
-  <p:timing>
-    <p:tnLst>
-      <p:par>
-        <p:cTn id="1" dur="indefinite" restart="never" nodeType="tmRoot"/>
-      </p:par>
-    </p:tnLst>
-  </p:timing>
 </p:sldLayout>
 </file>
 
@@ -1099,7 +1107,7 @@
           <a:blip r:embed="rId2" cstate="print">
             <a:extLst>
               <a:ext uri="{28A0092B-C50C-407E-A947-70E740481C1C}">
-                <a14:useLocalDpi xmlns:a14="http://schemas.microsoft.com/office/drawing/2010/main" xmlns="" val="0"/>
+                <a14:useLocalDpi xmlns:a14="http://schemas.microsoft.com/office/drawing/2010/main" val="0"/>
               </a:ext>
             </a:extLst>
           </a:blip>
@@ -1123,14 +1131,14 @@
           <a:effectLst/>
           <a:extLst>
             <a:ext uri="{909E8E84-426E-40DD-AFC4-6F175D3DCCD1}">
-              <a14:hiddenFill xmlns:a14="http://schemas.microsoft.com/office/drawing/2010/main" xmlns="">
+              <a14:hiddenFill xmlns:a14="http://schemas.microsoft.com/office/drawing/2010/main">
                 <a:solidFill>
                   <a:schemeClr val="accent1"/>
                 </a:solidFill>
               </a14:hiddenFill>
             </a:ext>
             <a:ext uri="{91240B29-F687-4F45-9708-019B960494DF}">
-              <a14:hiddenLine xmlns:a14="http://schemas.microsoft.com/office/drawing/2010/main" xmlns="" w="9525">
+              <a14:hiddenLine xmlns:a14="http://schemas.microsoft.com/office/drawing/2010/main" w="9525">
                 <a:solidFill>
                   <a:schemeClr val="tx1"/>
                 </a:solidFill>
@@ -1140,7 +1148,7 @@
               </a14:hiddenLine>
             </a:ext>
             <a:ext uri="{AF507438-7753-43E0-B8FC-AC1667EBCBE1}">
-              <a14:hiddenEffects xmlns:a14="http://schemas.microsoft.com/office/drawing/2010/main" xmlns="">
+              <a14:hiddenEffects xmlns:a14="http://schemas.microsoft.com/office/drawing/2010/main">
                 <a:effectLst>
                   <a:outerShdw dist="35921" dir="2700000" algn="ctr" rotWithShape="0">
                     <a:schemeClr val="bg2"/>
@@ -1235,7 +1243,7 @@
           </a:lstStyle>
           <a:p>
             <a:r>
-              <a:rPr lang="ru-RU" smtClean="0"/>
+              <a:rPr lang="ru-RU"/>
               <a:t>Образец заголовка</a:t>
             </a:r>
             <a:endParaRPr lang="en-US" dirty="0"/>
@@ -1272,7 +1280,7 @@
           <a:p>
             <a:pPr lvl="4"/>
             <a:r>
-              <a:rPr lang="en-US" dirty="0" smtClean="0"/>
+              <a:rPr lang="en-US" dirty="0"/>
               <a:t>Subtitle</a:t>
             </a:r>
           </a:p>
@@ -1281,20 +1289,13 @@
     </p:spTree>
     <p:extLst>
       <p:ext uri="{BB962C8B-B14F-4D97-AF65-F5344CB8AC3E}">
-        <p14:creationId xmlns:p14="http://schemas.microsoft.com/office/powerpoint/2010/main" xmlns="" val="2097366919"/>
+        <p14:creationId xmlns:p14="http://schemas.microsoft.com/office/powerpoint/2010/main" val="2097366919"/>
       </p:ext>
     </p:extLst>
   </p:cSld>
   <p:clrMapOvr>
     <a:masterClrMapping/>
   </p:clrMapOvr>
-  <p:timing>
-    <p:tnLst>
-      <p:par>
-        <p:cTn id="1" dur="indefinite" restart="never" nodeType="tmRoot"/>
-      </p:par>
-    </p:tnLst>
-  </p:timing>
 </p:sldLayout>
 </file>
 
@@ -1353,10 +1354,9 @@
           </a:lstStyle>
           <a:p>
             <a:r>
-              <a:rPr lang="en-US" dirty="0" smtClean="0"/>
+              <a:rPr lang="en-US" dirty="0"/>
               <a:t>title style</a:t>
             </a:r>
-            <a:endParaRPr lang="en-US" dirty="0"/>
           </a:p>
         </p:txBody>
       </p:sp>
@@ -1476,10 +1476,9 @@
           </a:lstStyle>
           <a:p>
             <a:r>
-              <a:rPr lang="en-US" dirty="0" smtClean="0"/>
+              <a:rPr lang="en-US" dirty="0"/>
               <a:t>Click to edit Master subtitle style</a:t>
             </a:r>
-            <a:endParaRPr lang="en-US" dirty="0"/>
           </a:p>
         </p:txBody>
       </p:sp>
@@ -1805,20 +1804,13 @@
     </p:spTree>
     <p:extLst>
       <p:ext uri="{BB962C8B-B14F-4D97-AF65-F5344CB8AC3E}">
-        <p14:creationId xmlns="" xmlns:p14="http://schemas.microsoft.com/office/powerpoint/2010/main" val="3537187278"/>
+        <p14:creationId xmlns:p14="http://schemas.microsoft.com/office/powerpoint/2010/main" val="3537187278"/>
       </p:ext>
     </p:extLst>
   </p:cSld>
   <p:clrMapOvr>
     <a:overrideClrMapping bg1="lt1" tx1="dk1" bg2="lt2" tx2="dk2" accent1="accent1" accent2="accent2" accent3="accent3" accent4="accent4" accent5="accent5" accent6="accent6" hlink="hlink" folHlink="folHlink"/>
   </p:clrMapOvr>
-  <p:timing>
-    <p:tnLst>
-      <p:par>
-        <p:cTn id="1" dur="indefinite" restart="never" nodeType="tmRoot"/>
-      </p:par>
-    </p:tnLst>
-  </p:timing>
 </p:sldLayout>
 </file>
 
@@ -1851,7 +1843,7 @@
           <a:blip r:embed="rId2" cstate="print">
             <a:extLst>
               <a:ext uri="{28A0092B-C50C-407E-A947-70E740481C1C}">
-                <a14:useLocalDpi xmlns="" xmlns:a14="http://schemas.microsoft.com/office/drawing/2010/main" val="0"/>
+                <a14:useLocalDpi xmlns:a14="http://schemas.microsoft.com/office/drawing/2010/main" val="0"/>
               </a:ext>
             </a:extLst>
           </a:blip>
@@ -1875,14 +1867,14 @@
           <a:effectLst/>
           <a:extLst>
             <a:ext uri="{909E8E84-426E-40DD-AFC4-6F175D3DCCD1}">
-              <a14:hiddenFill xmlns="" xmlns:a14="http://schemas.microsoft.com/office/drawing/2010/main">
+              <a14:hiddenFill xmlns:a14="http://schemas.microsoft.com/office/drawing/2010/main">
                 <a:solidFill>
                   <a:schemeClr val="accent1"/>
                 </a:solidFill>
               </a14:hiddenFill>
             </a:ext>
             <a:ext uri="{91240B29-F687-4F45-9708-019B960494DF}">
-              <a14:hiddenLine xmlns="" xmlns:a14="http://schemas.microsoft.com/office/drawing/2010/main" w="9525">
+              <a14:hiddenLine xmlns:a14="http://schemas.microsoft.com/office/drawing/2010/main" w="9525">
                 <a:solidFill>
                   <a:schemeClr val="tx1"/>
                 </a:solidFill>
@@ -1892,7 +1884,7 @@
               </a14:hiddenLine>
             </a:ext>
             <a:ext uri="{AF507438-7753-43E0-B8FC-AC1667EBCBE1}">
-              <a14:hiddenEffects xmlns="" xmlns:a14="http://schemas.microsoft.com/office/drawing/2010/main">
+              <a14:hiddenEffects xmlns:a14="http://schemas.microsoft.com/office/drawing/2010/main">
                 <a:effectLst>
                   <a:outerShdw dist="35921" dir="2700000" algn="ctr" rotWithShape="0">
                     <a:schemeClr val="bg2"/>
@@ -1987,10 +1979,9 @@
           </a:lstStyle>
           <a:p>
             <a:r>
-              <a:rPr lang="en-US" dirty="0" smtClean="0"/>
+              <a:rPr lang="en-US" dirty="0"/>
               <a:t>Click to edit Master title style</a:t>
             </a:r>
-            <a:endParaRPr lang="en-US" dirty="0"/>
           </a:p>
         </p:txBody>
       </p:sp>
@@ -2024,7 +2015,7 @@
           <a:p>
             <a:pPr lvl="4"/>
             <a:r>
-              <a:rPr lang="en-US" dirty="0" smtClean="0"/>
+              <a:rPr lang="en-US" dirty="0"/>
               <a:t>Subtitle</a:t>
             </a:r>
           </a:p>
@@ -2033,20 +2024,13 @@
     </p:spTree>
     <p:extLst>
       <p:ext uri="{BB962C8B-B14F-4D97-AF65-F5344CB8AC3E}">
-        <p14:creationId xmlns="" xmlns:p14="http://schemas.microsoft.com/office/powerpoint/2010/main" val="2097366919"/>
+        <p14:creationId xmlns:p14="http://schemas.microsoft.com/office/powerpoint/2010/main" val="2097366919"/>
       </p:ext>
     </p:extLst>
   </p:cSld>
   <p:clrMapOvr>
     <a:masterClrMapping/>
   </p:clrMapOvr>
-  <p:timing>
-    <p:tnLst>
-      <p:par>
-        <p:cTn id="1" dur="indefinite" restart="never" nodeType="tmRoot"/>
-      </p:par>
-    </p:tnLst>
-  </p:timing>
 </p:sldLayout>
 </file>
 
@@ -2098,7 +2082,7 @@
           <a:lstStyle/>
           <a:p>
             <a:r>
-              <a:rPr lang="ru-RU" smtClean="0"/>
+              <a:rPr lang="ru-RU"/>
               <a:t>Образец заголовка</a:t>
             </a:r>
             <a:endParaRPr lang="en-US"/>
@@ -2108,7 +2092,7 @@
     </p:spTree>
     <p:extLst>
       <p:ext uri="{BB962C8B-B14F-4D97-AF65-F5344CB8AC3E}">
-        <p14:creationId xmlns:p14="http://schemas.microsoft.com/office/powerpoint/2010/main" xmlns="" val="779007194"/>
+        <p14:creationId xmlns:p14="http://schemas.microsoft.com/office/powerpoint/2010/main" val="779007194"/>
       </p:ext>
     </p:extLst>
   </p:cSld>
@@ -2119,13 +2103,6 @@
     <p:sldLayoutId id="2147483665" r:id="rId3"/>
     <p:sldLayoutId id="2147483666" r:id="rId4"/>
   </p:sldLayoutIdLst>
-  <p:timing>
-    <p:tnLst>
-      <p:par>
-        <p:cTn id="1" dur="indefinite" restart="never" nodeType="tmRoot"/>
-      </p:par>
-    </p:tnLst>
-  </p:timing>
   <p:txStyles>
     <p:titleStyle>
       <a:lvl1pPr algn="ctr" defTabSz="914400" rtl="0" eaLnBrk="1" latinLnBrk="0" hangingPunct="1">
@@ -2469,7 +2446,7 @@
           <a:lstStyle/>
           <a:p>
             <a:r>
-              <a:rPr lang="en-US" dirty="0" smtClean="0">
+              <a:rPr lang="en-US" dirty="0">
                 <a:solidFill>
                   <a:schemeClr val="bg1"/>
                 </a:solidFill>
@@ -2479,14 +2456,6 @@
               </a:rPr>
               <a:t> JavaScript</a:t>
             </a:r>
-            <a:endParaRPr lang="en-US" dirty="0">
-              <a:solidFill>
-                <a:schemeClr val="bg1"/>
-              </a:solidFill>
-              <a:latin typeface="Calibri" pitchFamily="34" charset="0"/>
-              <a:ea typeface="Roboto Thin" panose="02000000000000000000" pitchFamily="2" charset="0"/>
-              <a:cs typeface="Roboto Thin" panose="02000000000000000000" pitchFamily="2" charset="0"/>
-            </a:endParaRPr>
           </a:p>
         </p:txBody>
       </p:sp>
@@ -2668,7 +2637,7 @@
           </a:lstStyle>
           <a:p>
             <a:r>
-              <a:rPr lang="en-US" sz="2700" dirty="0" smtClean="0">
+              <a:rPr lang="en-US" sz="2700" dirty="0">
                 <a:solidFill>
                   <a:schemeClr val="tx1">
                     <a:lumMod val="90000"/>
@@ -2681,17 +2650,6 @@
               </a:rPr>
               <a:t>The JavaScript Programming Language</a:t>
             </a:r>
-            <a:endParaRPr lang="en-US" sz="2700" dirty="0">
-              <a:solidFill>
-                <a:schemeClr val="tx1">
-                  <a:lumMod val="90000"/>
-                  <a:lumOff val="10000"/>
-                </a:schemeClr>
-              </a:solidFill>
-              <a:latin typeface="Calibri" pitchFamily="34" charset="0"/>
-              <a:ea typeface="Roboto Light" panose="02000000000000000000" pitchFamily="2" charset="0"/>
-              <a:cs typeface="Roboto Light" panose="02000000000000000000" pitchFamily="2" charset="0"/>
-            </a:endParaRPr>
           </a:p>
         </p:txBody>
       </p:sp>
@@ -2707,7 +2665,7 @@
           <a:blip r:embed="rId2" cstate="print">
             <a:extLst>
               <a:ext uri="{28A0092B-C50C-407E-A947-70E740481C1C}">
-                <a14:useLocalDpi xmlns="" xmlns:a14="http://schemas.microsoft.com/office/drawing/2010/main" val="0"/>
+                <a14:useLocalDpi xmlns:a14="http://schemas.microsoft.com/office/drawing/2010/main" val="0"/>
               </a:ext>
             </a:extLst>
           </a:blip>
@@ -2727,7 +2685,7 @@
           <a:noFill/>
           <a:extLst>
             <a:ext uri="{909E8E84-426E-40DD-AFC4-6F175D3DCCD1}">
-              <a14:hiddenFill xmlns="" xmlns:a14="http://schemas.microsoft.com/office/drawing/2010/main">
+              <a14:hiddenFill xmlns:a14="http://schemas.microsoft.com/office/drawing/2010/main">
                 <a:solidFill>
                   <a:srgbClr val="FFFFFF"/>
                 </a:solidFill>
@@ -2759,7 +2717,7 @@
           <a:lstStyle/>
           <a:p>
             <a:r>
-              <a:rPr lang="ru-RU" sz="4400" dirty="0" smtClean="0">
+              <a:rPr lang="ru-RU" sz="4400" dirty="0">
                 <a:solidFill>
                   <a:srgbClr val="7564BC"/>
                 </a:solidFill>
@@ -2767,18 +2725,7 @@
                 <a:ea typeface="Roboto Black" panose="02000000000000000000" pitchFamily="2" charset="0"/>
                 <a:cs typeface="Roboto Black" panose="02000000000000000000" pitchFamily="2" charset="0"/>
               </a:rPr>
-              <a:t>Различные </a:t>
-            </a:r>
-            <a:r>
-              <a:rPr lang="ru-RU" sz="4400" dirty="0" smtClean="0">
-                <a:solidFill>
-                  <a:srgbClr val="7564BC"/>
-                </a:solidFill>
-                <a:latin typeface="Calibri" pitchFamily="34" charset="0"/>
-                <a:ea typeface="Roboto Black" panose="02000000000000000000" pitchFamily="2" charset="0"/>
-                <a:cs typeface="Roboto Black" panose="02000000000000000000" pitchFamily="2" charset="0"/>
-              </a:rPr>
-              <a:t>возможности </a:t>
+              <a:t>Различные возможности </a:t>
             </a:r>
           </a:p>
         </p:txBody>
@@ -2786,20 +2733,13 @@
     </p:spTree>
     <p:extLst>
       <p:ext uri="{BB962C8B-B14F-4D97-AF65-F5344CB8AC3E}">
-        <p14:creationId xmlns="" xmlns:p14="http://schemas.microsoft.com/office/powerpoint/2010/main" val="3436223543"/>
+        <p14:creationId xmlns:p14="http://schemas.microsoft.com/office/powerpoint/2010/main" val="3436223543"/>
       </p:ext>
     </p:extLst>
   </p:cSld>
   <p:clrMapOvr>
     <a:masterClrMapping/>
   </p:clrMapOvr>
-  <p:timing>
-    <p:tnLst>
-      <p:par>
-        <p:cTn id="1" dur="indefinite" restart="never" nodeType="tmRoot"/>
-      </p:par>
-    </p:tnLst>
-  </p:timing>
 </p:sld>
 </file>
 
@@ -2836,19 +2776,19 @@
           <a:lstStyle/>
           <a:p>
             <a:r>
-              <a:rPr lang="ru-RU" dirty="0" smtClean="0">
+              <a:rPr lang="ru-RU" dirty="0">
                 <a:latin typeface="Calibri" pitchFamily="34" charset="0"/>
               </a:rPr>
               <a:t>Типизация</a:t>
             </a:r>
             <a:r>
-              <a:rPr lang="ru-RU" b="1" dirty="0" smtClean="0">
+              <a:rPr lang="ru-RU" b="1" dirty="0">
                 <a:latin typeface="Calibri" pitchFamily="34" charset="0"/>
               </a:rPr>
               <a:t> </a:t>
             </a:r>
             <a:r>
-              <a:rPr lang="ru-RU" dirty="0" smtClean="0">
+              <a:rPr lang="ru-RU" dirty="0">
                 <a:latin typeface="Calibri" pitchFamily="34" charset="0"/>
               </a:rPr>
               <a:t>данных</a:t>
@@ -2886,37 +2826,40 @@
               <a:buChar char="§"/>
             </a:pPr>
             <a:r>
-              <a:rPr lang="en-US" dirty="0" smtClean="0">
+              <a:rPr lang="en-US" dirty="0">
                 <a:latin typeface="Calibri" pitchFamily="34" charset="0"/>
               </a:rPr>
               <a:t>  </a:t>
             </a:r>
             <a:r>
-              <a:rPr lang="ru-RU" dirty="0" smtClean="0">
+              <a:rPr lang="ru-RU" dirty="0">
                 <a:latin typeface="Calibri" pitchFamily="34" charset="0"/>
               </a:rPr>
               <a:t>Оператор </a:t>
             </a:r>
             <a:r>
-              <a:rPr lang="en-US" b="1" dirty="0" err="1" smtClean="0">
+              <a:rPr lang="en-US" b="1" dirty="0" err="1">
+                <a:solidFill>
+                  <a:srgbClr val="0070C0"/>
+                </a:solidFill>
                 <a:latin typeface="Calibri" pitchFamily="34" charset="0"/>
               </a:rPr>
               <a:t>typeof</a:t>
             </a:r>
             <a:r>
-              <a:rPr lang="en-US" dirty="0" smtClean="0">
+              <a:rPr lang="en-US" dirty="0">
                 <a:latin typeface="Calibri" pitchFamily="34" charset="0"/>
               </a:rPr>
               <a:t> (</a:t>
             </a:r>
             <a:r>
-              <a:rPr lang="ru-RU" dirty="0" smtClean="0">
+              <a:rPr lang="ru-RU" dirty="0">
                 <a:latin typeface="Calibri" pitchFamily="34" charset="0"/>
               </a:rPr>
               <a:t>подходит для работы со значениями примитивных типов</a:t>
             </a:r>
             <a:r>
-              <a:rPr lang="en-US" dirty="0" smtClean="0">
+              <a:rPr lang="en-US" dirty="0">
                 <a:latin typeface="Calibri" pitchFamily="34" charset="0"/>
               </a:rPr>
               <a:t>);  </a:t>
@@ -2927,7 +2870,7 @@
               <a:buFont typeface="Wingdings" pitchFamily="2" charset="2"/>
               <a:buChar char="§"/>
             </a:pPr>
-            <a:endParaRPr lang="en-US" dirty="0" smtClean="0">
+            <a:endParaRPr lang="en-US" dirty="0">
               <a:latin typeface="Calibri" pitchFamily="34" charset="0"/>
             </a:endParaRPr>
           </a:p>
@@ -2937,36 +2880,36 @@
               <a:buChar char="§"/>
             </a:pPr>
             <a:r>
-              <a:rPr lang="en-US" dirty="0" smtClean="0">
+              <a:rPr lang="en-US" dirty="0">
                 <a:latin typeface="Calibri" pitchFamily="34" charset="0"/>
               </a:rPr>
               <a:t> </a:t>
             </a:r>
             <a:r>
-              <a:rPr lang="ru-RU" b="1" dirty="0" smtClean="0">
+              <a:rPr lang="ru-RU" b="1" dirty="0">
                 <a:latin typeface="Calibri" pitchFamily="34" charset="0"/>
               </a:rPr>
               <a:t>Специальное свойство [[</a:t>
             </a:r>
             <a:r>
-              <a:rPr lang="ru-RU" b="1" dirty="0" err="1" smtClean="0">
+              <a:rPr lang="ru-RU" b="1" dirty="0" err="1">
                 <a:latin typeface="Calibri" pitchFamily="34" charset="0"/>
               </a:rPr>
               <a:t>Class</a:t>
             </a:r>
             <a:r>
-              <a:rPr lang="ru-RU" b="1" dirty="0" smtClean="0">
+              <a:rPr lang="ru-RU" b="1" dirty="0">
                 <a:latin typeface="Calibri" pitchFamily="34" charset="0"/>
               </a:rPr>
               <a:t>]]</a:t>
             </a:r>
             <a:r>
-              <a:rPr lang="en-US" dirty="0" smtClean="0">
+              <a:rPr lang="en-US" dirty="0">
                 <a:latin typeface="Calibri" pitchFamily="34" charset="0"/>
               </a:rPr>
               <a:t>; </a:t>
             </a:r>
-            <a:endParaRPr lang="ru-RU" b="1" dirty="0" smtClean="0">
+            <a:endParaRPr lang="ru-RU" b="1" dirty="0">
               <a:latin typeface="Calibri" pitchFamily="34" charset="0"/>
             </a:endParaRPr>
           </a:p>
@@ -2975,7 +2918,7 @@
               <a:buFont typeface="Wingdings" pitchFamily="2" charset="2"/>
               <a:buChar char="§"/>
             </a:pPr>
-            <a:endParaRPr lang="en-US" dirty="0" smtClean="0">
+            <a:endParaRPr lang="en-US" dirty="0">
               <a:latin typeface="Calibri" pitchFamily="34" charset="0"/>
             </a:endParaRPr>
           </a:p>
@@ -2984,22 +2927,22 @@
               <a:buFont typeface="Wingdings" pitchFamily="2" charset="2"/>
               <a:buChar char="§"/>
             </a:pPr>
-            <a:endParaRPr lang="en-US" dirty="0" smtClean="0">
+            <a:endParaRPr lang="en-US" dirty="0">
               <a:latin typeface="Calibri" pitchFamily="34" charset="0"/>
             </a:endParaRPr>
           </a:p>
           <a:p>
-            <a:endParaRPr lang="ru-RU" dirty="0" smtClean="0">
+            <a:endParaRPr lang="ru-RU" dirty="0">
               <a:latin typeface="Calibri" pitchFamily="34" charset="0"/>
             </a:endParaRPr>
           </a:p>
           <a:p>
-            <a:endParaRPr lang="ru-RU" dirty="0" smtClean="0">
+            <a:endParaRPr lang="ru-RU" dirty="0">
               <a:latin typeface="Calibri" pitchFamily="34" charset="0"/>
             </a:endParaRPr>
           </a:p>
           <a:p>
-            <a:endParaRPr lang="en-US" dirty="0" smtClean="0">
+            <a:endParaRPr lang="en-US" dirty="0">
               <a:latin typeface="Calibri" pitchFamily="34" charset="0"/>
             </a:endParaRPr>
           </a:p>
@@ -3009,60 +2952,60 @@
               <a:buChar char="§"/>
             </a:pPr>
             <a:r>
-              <a:rPr lang="en-US" dirty="0" smtClean="0">
+              <a:rPr lang="en-US" dirty="0">
                 <a:latin typeface="Calibri" pitchFamily="34" charset="0"/>
               </a:rPr>
               <a:t>  </a:t>
             </a:r>
             <a:r>
-              <a:rPr lang="ru-RU" dirty="0" smtClean="0">
+              <a:rPr lang="ru-RU" dirty="0">
                 <a:latin typeface="Calibri" pitchFamily="34" charset="0"/>
               </a:rPr>
               <a:t>Оператор </a:t>
             </a:r>
             <a:r>
-              <a:rPr lang="ru-RU" b="1" dirty="0" err="1" smtClean="0">
+              <a:rPr lang="ru-RU" b="1" dirty="0" err="1">
                 <a:latin typeface="Calibri" pitchFamily="34" charset="0"/>
               </a:rPr>
               <a:t>instanceof</a:t>
             </a:r>
             <a:r>
-              <a:rPr lang="ru-RU" b="1" dirty="0" smtClean="0">
+              <a:rPr lang="ru-RU" b="1" dirty="0">
                 <a:latin typeface="Calibri" pitchFamily="34" charset="0"/>
               </a:rPr>
               <a:t> </a:t>
             </a:r>
-            <a:endParaRPr lang="en-US" dirty="0" smtClean="0">
+            <a:endParaRPr lang="en-US" dirty="0">
               <a:latin typeface="Calibri" pitchFamily="34" charset="0"/>
             </a:endParaRPr>
           </a:p>
           <a:p>
-            <a:endParaRPr lang="en-US" dirty="0" smtClean="0">
+            <a:endParaRPr lang="en-US" dirty="0">
               <a:latin typeface="Calibri" pitchFamily="34" charset="0"/>
             </a:endParaRPr>
           </a:p>
           <a:p>
-            <a:endParaRPr lang="ru-RU" dirty="0" smtClean="0">
+            <a:endParaRPr lang="ru-RU" dirty="0">
               <a:latin typeface="Calibri" pitchFamily="34" charset="0"/>
             </a:endParaRPr>
           </a:p>
           <a:p>
-            <a:endParaRPr lang="ru-RU" dirty="0" smtClean="0">
+            <a:endParaRPr lang="ru-RU" dirty="0">
               <a:latin typeface="Calibri" pitchFamily="34" charset="0"/>
             </a:endParaRPr>
           </a:p>
           <a:p>
-            <a:endParaRPr lang="ru-RU" dirty="0" smtClean="0">
+            <a:endParaRPr lang="ru-RU" dirty="0">
               <a:latin typeface="Calibri" pitchFamily="34" charset="0"/>
             </a:endParaRPr>
           </a:p>
           <a:p>
-            <a:endParaRPr lang="ru-RU" dirty="0" smtClean="0">
+            <a:endParaRPr lang="ru-RU" dirty="0">
               <a:latin typeface="Calibri" pitchFamily="34" charset="0"/>
             </a:endParaRPr>
           </a:p>
           <a:p>
-            <a:endParaRPr lang="en-US" dirty="0" smtClean="0">
+            <a:endParaRPr lang="en-US" dirty="0">
               <a:latin typeface="Calibri" pitchFamily="34" charset="0"/>
             </a:endParaRPr>
           </a:p>
@@ -3072,28 +3015,40 @@
               <a:buChar char="§"/>
             </a:pPr>
             <a:r>
-              <a:rPr lang="en-US" dirty="0" smtClean="0">
+              <a:rPr lang="en-US" dirty="0">
                 <a:latin typeface="Calibri" pitchFamily="34" charset="0"/>
               </a:rPr>
               <a:t> </a:t>
             </a:r>
             <a:r>
-              <a:rPr lang="ru-RU" b="1" dirty="0" smtClean="0">
+              <a:rPr lang="ru-RU" b="1" dirty="0">
                 <a:latin typeface="Calibri" pitchFamily="34" charset="0"/>
               </a:rPr>
               <a:t>«Утиная типизация»</a:t>
             </a:r>
             <a:r>
-              <a:rPr lang="en-US" dirty="0" smtClean="0">
+              <a:rPr lang="en-US" dirty="0">
                 <a:latin typeface="Calibri" pitchFamily="34" charset="0"/>
               </a:rPr>
               <a:t>. </a:t>
             </a:r>
             <a:r>
-              <a:rPr lang="ru-RU" dirty="0" smtClean="0">
-                <a:latin typeface="Calibri" pitchFamily="34" charset="0"/>
-              </a:rPr>
-              <a:t>Её смысл – в проверке  наличия необходимых методов и свойств. </a:t>
+              <a:rPr lang="ru-RU" dirty="0">
+                <a:latin typeface="Calibri" pitchFamily="34" charset="0"/>
+              </a:rPr>
+              <a:t>Её смысл – в проверке  наличия необходимых методов и свойств</a:t>
+            </a:r>
+            <a:r>
+              <a:rPr lang="en-US" dirty="0">
+                <a:latin typeface="Calibri" pitchFamily="34" charset="0"/>
+              </a:rPr>
+              <a:t> </a:t>
+            </a:r>
+            <a:r>
+              <a:rPr lang="ru-RU" dirty="0">
+                <a:latin typeface="Calibri" pitchFamily="34" charset="0"/>
+              </a:rPr>
+              <a:t>внутри объекта. </a:t>
             </a:r>
             <a:endParaRPr lang="en-US" dirty="0">
               <a:latin typeface="Calibri" pitchFamily="34" charset="0"/>
@@ -3143,42 +3098,40 @@
           <a:p>
             <a:pPr algn="just"/>
             <a:r>
-              <a:rPr lang="en-US" dirty="0" err="1" smtClean="0">
-                <a:solidFill>
-                  <a:schemeClr val="accent1">
-                    <a:lumMod val="75000"/>
-                  </a:schemeClr>
+              <a:rPr lang="en-US" dirty="0" err="1">
+                <a:solidFill>
+                  <a:srgbClr val="0070C0"/>
                 </a:solidFill>
                 <a:latin typeface="Calibri" pitchFamily="34" charset="0"/>
               </a:rPr>
               <a:t>var</a:t>
             </a:r>
             <a:r>
-              <a:rPr lang="en-US" dirty="0" smtClean="0">
+              <a:rPr lang="en-US" dirty="0">
                 <a:latin typeface="Calibri" pitchFamily="34" charset="0"/>
               </a:rPr>
               <a:t> </a:t>
             </a:r>
             <a:r>
-              <a:rPr lang="en-US" dirty="0" err="1" smtClean="0">
+              <a:rPr lang="en-US" dirty="0" err="1">
                 <a:latin typeface="Calibri" pitchFamily="34" charset="0"/>
               </a:rPr>
               <a:t>toString</a:t>
             </a:r>
             <a:r>
-              <a:rPr lang="en-US" dirty="0" smtClean="0">
+              <a:rPr lang="en-US" dirty="0">
                 <a:latin typeface="Calibri" pitchFamily="34" charset="0"/>
               </a:rPr>
               <a:t> = {}.</a:t>
             </a:r>
             <a:r>
-              <a:rPr lang="en-US" dirty="0" err="1" smtClean="0">
+              <a:rPr lang="en-US" dirty="0" err="1">
                 <a:latin typeface="Calibri" pitchFamily="34" charset="0"/>
               </a:rPr>
               <a:t>toString</a:t>
             </a:r>
             <a:r>
-              <a:rPr lang="en-US" dirty="0" smtClean="0">
+              <a:rPr lang="en-US" dirty="0">
                 <a:latin typeface="Calibri" pitchFamily="34" charset="0"/>
               </a:rPr>
               <a:t>;  </a:t>
@@ -3187,54 +3140,52 @@
           <a:p>
             <a:pPr algn="just"/>
             <a:r>
-              <a:rPr lang="en-US" dirty="0" err="1" smtClean="0">
-                <a:solidFill>
-                  <a:schemeClr val="accent1">
-                    <a:lumMod val="75000"/>
-                  </a:schemeClr>
+              <a:rPr lang="en-US" dirty="0" err="1">
+                <a:solidFill>
+                  <a:srgbClr val="0070C0"/>
                 </a:solidFill>
                 <a:latin typeface="Calibri" pitchFamily="34" charset="0"/>
               </a:rPr>
               <a:t>var</a:t>
             </a:r>
             <a:r>
-              <a:rPr lang="en-US" dirty="0" smtClean="0">
+              <a:rPr lang="en-US" dirty="0">
                 <a:latin typeface="Calibri" pitchFamily="34" charset="0"/>
               </a:rPr>
               <a:t> </a:t>
             </a:r>
             <a:r>
-              <a:rPr lang="en-US" dirty="0" err="1" smtClean="0">
+              <a:rPr lang="en-US" dirty="0" err="1">
                 <a:latin typeface="Calibri" pitchFamily="34" charset="0"/>
               </a:rPr>
               <a:t>arr</a:t>
             </a:r>
             <a:r>
-              <a:rPr lang="en-US" dirty="0" smtClean="0">
+              <a:rPr lang="en-US" dirty="0">
                 <a:latin typeface="Calibri" pitchFamily="34" charset="0"/>
               </a:rPr>
               <a:t> = [1, 2]; alert( </a:t>
             </a:r>
             <a:r>
-              <a:rPr lang="en-US" dirty="0" err="1" smtClean="0">
+              <a:rPr lang="en-US" dirty="0" err="1">
                 <a:latin typeface="Calibri" pitchFamily="34" charset="0"/>
               </a:rPr>
               <a:t>toString.call</a:t>
             </a:r>
             <a:r>
-              <a:rPr lang="en-US" dirty="0" smtClean="0">
+              <a:rPr lang="en-US" dirty="0">
                 <a:latin typeface="Calibri" pitchFamily="34" charset="0"/>
               </a:rPr>
               <a:t>(</a:t>
             </a:r>
             <a:r>
-              <a:rPr lang="en-US" dirty="0" err="1" smtClean="0">
+              <a:rPr lang="en-US" dirty="0" err="1">
                 <a:latin typeface="Calibri" pitchFamily="34" charset="0"/>
               </a:rPr>
               <a:t>arr</a:t>
             </a:r>
             <a:r>
-              <a:rPr lang="en-US" dirty="0" smtClean="0">
+              <a:rPr lang="en-US" dirty="0">
                 <a:latin typeface="Calibri" pitchFamily="34" charset="0"/>
               </a:rPr>
               <a:t>) ); // [object Array]</a:t>
@@ -3278,18 +3229,16 @@
           <a:lstStyle/>
           <a:p>
             <a:r>
-              <a:rPr lang="en-US" dirty="0" smtClean="0">
-                <a:solidFill>
-                  <a:schemeClr val="accent1">
-                    <a:lumMod val="75000"/>
-                  </a:schemeClr>
+              <a:rPr lang="en-US" dirty="0">
+                <a:solidFill>
+                  <a:srgbClr val="0070C0"/>
                 </a:solidFill>
                 <a:latin typeface="Calibri" pitchFamily="34" charset="0"/>
               </a:rPr>
               <a:t>function</a:t>
             </a:r>
             <a:r>
-              <a:rPr lang="en-US" dirty="0" smtClean="0">
+              <a:rPr lang="en-US" dirty="0">
                 <a:latin typeface="Calibri" pitchFamily="34" charset="0"/>
               </a:rPr>
               <a:t> User() {} </a:t>
@@ -3297,18 +3246,16 @@
           </a:p>
           <a:p>
             <a:r>
-              <a:rPr lang="en-US" dirty="0" err="1" smtClean="0">
-                <a:solidFill>
-                  <a:schemeClr val="accent1">
-                    <a:lumMod val="75000"/>
-                  </a:schemeClr>
+              <a:rPr lang="en-US" dirty="0" err="1">
+                <a:solidFill>
+                  <a:srgbClr val="0070C0"/>
                 </a:solidFill>
                 <a:latin typeface="Calibri" pitchFamily="34" charset="0"/>
               </a:rPr>
               <a:t>var</a:t>
             </a:r>
             <a:r>
-              <a:rPr lang="en-US" dirty="0" smtClean="0">
+              <a:rPr lang="en-US" dirty="0">
                 <a:latin typeface="Calibri" pitchFamily="34" charset="0"/>
               </a:rPr>
               <a:t> user = new User(); </a:t>
@@ -3316,19 +3263,22 @@
           </a:p>
           <a:p>
             <a:r>
-              <a:rPr lang="en-US" dirty="0" smtClean="0">
+              <a:rPr lang="en-US" dirty="0">
                 <a:latin typeface="Calibri" pitchFamily="34" charset="0"/>
               </a:rPr>
               <a:t>alert( user </a:t>
             </a:r>
             <a:r>
-              <a:rPr lang="en-US" dirty="0" err="1" smtClean="0">
+              <a:rPr lang="en-US" dirty="0" err="1">
+                <a:solidFill>
+                  <a:srgbClr val="0070C0"/>
+                </a:solidFill>
                 <a:latin typeface="Calibri" pitchFamily="34" charset="0"/>
               </a:rPr>
               <a:t>instanceof</a:t>
             </a:r>
             <a:r>
-              <a:rPr lang="en-US" dirty="0" smtClean="0">
+              <a:rPr lang="en-US" dirty="0">
                 <a:latin typeface="Calibri" pitchFamily="34" charset="0"/>
               </a:rPr>
               <a:t> User ); // true</a:t>
@@ -3339,20 +3289,13 @@
     </p:spTree>
     <p:extLst>
       <p:ext uri="{BB962C8B-B14F-4D97-AF65-F5344CB8AC3E}">
-        <p14:creationId xmlns="" xmlns:p14="http://schemas.microsoft.com/office/powerpoint/2010/main" val="9290874"/>
+        <p14:creationId xmlns:p14="http://schemas.microsoft.com/office/powerpoint/2010/main" val="9290874"/>
       </p:ext>
     </p:extLst>
   </p:cSld>
   <p:clrMapOvr>
     <a:masterClrMapping/>
   </p:clrMapOvr>
-  <p:timing>
-    <p:tnLst>
-      <p:par>
-        <p:cTn id="1" dur="indefinite" restart="never" nodeType="tmRoot"/>
-      </p:par>
-    </p:tnLst>
-  </p:timing>
 </p:sld>
 </file>
 
@@ -3394,20 +3337,17 @@
           <a:lstStyle/>
           <a:p>
             <a:r>
-              <a:rPr lang="en-US" sz="3600" dirty="0" err="1" smtClean="0">
+              <a:rPr lang="en-US" sz="3600" dirty="0" err="1">
                 <a:latin typeface="Calibri" pitchFamily="34" charset="0"/>
               </a:rPr>
               <a:t>JSON</a:t>
             </a:r>
             <a:r>
-              <a:rPr lang="en-US" sz="3600" b="1" dirty="0" smtClean="0">
+              <a:rPr lang="en-US" sz="3600" b="1" dirty="0">
                 <a:latin typeface="Calibri" pitchFamily="34" charset="0"/>
               </a:rPr>
               <a:t>  </a:t>
             </a:r>
-            <a:endParaRPr lang="en-US" sz="3600" b="1" dirty="0">
-              <a:latin typeface="Calibri" pitchFamily="34" charset="0"/>
-            </a:endParaRPr>
           </a:p>
         </p:txBody>
       </p:sp>
@@ -3435,37 +3375,37 @@
           <a:p>
             <a:pPr algn="just"/>
             <a:r>
-              <a:rPr lang="ru-RU" dirty="0" smtClean="0">
+              <a:rPr lang="ru-RU" dirty="0">
                 <a:latin typeface="Calibri" pitchFamily="34" charset="0"/>
               </a:rPr>
               <a:t>Основные методы для работы с </a:t>
             </a:r>
             <a:r>
-              <a:rPr lang="ru-RU" dirty="0" err="1" smtClean="0">
+              <a:rPr lang="ru-RU" dirty="0" err="1">
                 <a:latin typeface="Calibri" pitchFamily="34" charset="0"/>
               </a:rPr>
               <a:t>JSON</a:t>
             </a:r>
             <a:r>
-              <a:rPr lang="ru-RU" dirty="0" smtClean="0">
+              <a:rPr lang="ru-RU" dirty="0">
                 <a:latin typeface="Calibri" pitchFamily="34" charset="0"/>
               </a:rPr>
               <a:t> в </a:t>
             </a:r>
             <a:r>
-              <a:rPr lang="ru-RU" dirty="0" err="1" smtClean="0">
+              <a:rPr lang="ru-RU" dirty="0" err="1">
                 <a:latin typeface="Calibri" pitchFamily="34" charset="0"/>
               </a:rPr>
               <a:t>JavaScript</a:t>
             </a:r>
             <a:r>
-              <a:rPr lang="ru-RU" dirty="0" smtClean="0">
+              <a:rPr lang="ru-RU" dirty="0">
                 <a:latin typeface="Calibri" pitchFamily="34" charset="0"/>
               </a:rPr>
               <a:t> – это:</a:t>
             </a:r>
             <a:r>
-              <a:rPr lang="en-US" dirty="0" smtClean="0">
+              <a:rPr lang="en-US" dirty="0">
                 <a:latin typeface="Calibri" pitchFamily="34" charset="0"/>
               </a:rPr>
               <a:t> </a:t>
@@ -3473,7 +3413,7 @@
           </a:p>
           <a:p>
             <a:pPr algn="just"/>
-            <a:endParaRPr lang="ru-RU" dirty="0" smtClean="0">
+            <a:endParaRPr lang="ru-RU" dirty="0">
               <a:latin typeface="Calibri" pitchFamily="34" charset="0"/>
             </a:endParaRPr>
           </a:p>
@@ -3483,36 +3423,36 @@
               <a:buChar char="§"/>
             </a:pPr>
             <a:r>
-              <a:rPr lang="en-US" dirty="0" smtClean="0">
+              <a:rPr lang="en-US" dirty="0">
                 <a:latin typeface="Calibri" pitchFamily="34" charset="0"/>
               </a:rPr>
               <a:t>  </a:t>
             </a:r>
             <a:r>
-              <a:rPr lang="ru-RU" b="1" dirty="0" err="1" smtClean="0">
+              <a:rPr lang="ru-RU" b="1" dirty="0" err="1">
                 <a:latin typeface="Calibri" pitchFamily="34" charset="0"/>
               </a:rPr>
               <a:t>JSON.parse</a:t>
             </a:r>
             <a:r>
-              <a:rPr lang="ru-RU" b="1" dirty="0" smtClean="0">
+              <a:rPr lang="ru-RU" b="1" dirty="0">
                 <a:latin typeface="Calibri" pitchFamily="34" charset="0"/>
               </a:rPr>
               <a:t> </a:t>
             </a:r>
             <a:r>
-              <a:rPr lang="ru-RU" dirty="0" smtClean="0">
+              <a:rPr lang="ru-RU" dirty="0">
                 <a:latin typeface="Calibri" pitchFamily="34" charset="0"/>
               </a:rPr>
               <a:t>.</a:t>
             </a:r>
             <a:r>
-              <a:rPr lang="en-US" dirty="0" smtClean="0">
+              <a:rPr lang="en-US" dirty="0">
                 <a:latin typeface="Calibri" pitchFamily="34" charset="0"/>
               </a:rPr>
               <a:t> </a:t>
             </a:r>
-            <a:endParaRPr lang="ru-RU" dirty="0" smtClean="0">
+            <a:endParaRPr lang="ru-RU" dirty="0">
               <a:latin typeface="Calibri" pitchFamily="34" charset="0"/>
             </a:endParaRPr>
           </a:p>
@@ -3522,18 +3462,18 @@
               <a:buChar char="§"/>
             </a:pPr>
             <a:r>
-              <a:rPr lang="en-US" dirty="0" smtClean="0">
+              <a:rPr lang="en-US" dirty="0">
                 <a:latin typeface="Calibri" pitchFamily="34" charset="0"/>
               </a:rPr>
               <a:t>  </a:t>
             </a:r>
             <a:r>
-              <a:rPr lang="ru-RU" b="1" dirty="0" err="1" smtClean="0">
+              <a:rPr lang="ru-RU" b="1" dirty="0" err="1">
                 <a:latin typeface="Calibri" pitchFamily="34" charset="0"/>
               </a:rPr>
               <a:t>JSON.stringify</a:t>
             </a:r>
-            <a:endParaRPr lang="ru-RU" dirty="0" smtClean="0">
+            <a:endParaRPr lang="ru-RU" dirty="0">
               <a:latin typeface="Calibri" pitchFamily="34" charset="0"/>
             </a:endParaRPr>
           </a:p>
@@ -3580,26 +3520,26 @@
           <a:lstStyle/>
           <a:p>
             <a:r>
-              <a:rPr lang="ru-RU" dirty="0" smtClean="0">
+              <a:rPr lang="ru-RU" dirty="0">
                 <a:latin typeface="Calibri" pitchFamily="34" charset="0"/>
               </a:rPr>
               <a:t>Пример</a:t>
             </a:r>
             <a:r>
-              <a:rPr lang="en-US" dirty="0" smtClean="0">
+              <a:rPr lang="en-US" dirty="0">
                 <a:latin typeface="Calibri" pitchFamily="34" charset="0"/>
               </a:rPr>
               <a:t>: </a:t>
             </a:r>
           </a:p>
           <a:p>
-            <a:endParaRPr lang="en-US" dirty="0" smtClean="0">
+            <a:endParaRPr lang="en-US" dirty="0">
               <a:latin typeface="Calibri" pitchFamily="34" charset="0"/>
             </a:endParaRPr>
           </a:p>
           <a:p>
             <a:r>
-              <a:rPr lang="en-US" dirty="0" smtClean="0">
+              <a:rPr lang="en-US" dirty="0">
                 <a:solidFill>
                   <a:schemeClr val="accent1">
                     <a:lumMod val="75000"/>
@@ -3610,7 +3550,7 @@
               <a:t> </a:t>
             </a:r>
             <a:r>
-              <a:rPr lang="en-US" dirty="0" err="1" smtClean="0">
+              <a:rPr lang="en-US" dirty="0" err="1">
                 <a:solidFill>
                   <a:schemeClr val="accent1">
                     <a:lumMod val="75000"/>
@@ -3621,7 +3561,7 @@
               <a:t>var</a:t>
             </a:r>
             <a:r>
-              <a:rPr lang="en-US" dirty="0" smtClean="0">
+              <a:rPr lang="en-US" dirty="0">
                 <a:solidFill>
                   <a:schemeClr val="accent1">
                     <a:lumMod val="75000"/>
@@ -3632,82 +3572,77 @@
               <a:t> </a:t>
             </a:r>
             <a:r>
-              <a:rPr lang="en-US" dirty="0" smtClean="0">
+              <a:rPr lang="en-US" dirty="0">
                 <a:latin typeface="Calibri" pitchFamily="34" charset="0"/>
               </a:rPr>
               <a:t>user = '{ "name": "</a:t>
             </a:r>
             <a:r>
-              <a:rPr lang="uk-UA" dirty="0" smtClean="0">
+              <a:rPr lang="uk-UA" dirty="0">
                 <a:latin typeface="Calibri" pitchFamily="34" charset="0"/>
               </a:rPr>
               <a:t>Вася", </a:t>
-            </a:r>
-            <a:endParaRPr lang="en-US" dirty="0" smtClean="0">
-              <a:latin typeface="Calibri" pitchFamily="34" charset="0"/>
-            </a:endParaRPr>
-          </a:p>
-          <a:p>
-            <a:r>
-              <a:rPr lang="uk-UA" dirty="0" smtClean="0">
-                <a:latin typeface="Calibri" pitchFamily="34" charset="0"/>
-              </a:rPr>
-              <a:t>"</a:t>
-            </a:r>
-            <a:r>
-              <a:rPr lang="en-US" dirty="0" smtClean="0">
-                <a:latin typeface="Calibri" pitchFamily="34" charset="0"/>
-              </a:rPr>
-              <a:t>age": 35, </a:t>
-            </a:r>
-          </a:p>
-          <a:p>
-            <a:r>
-              <a:rPr lang="en-US" dirty="0" smtClean="0">
-                <a:latin typeface="Calibri" pitchFamily="34" charset="0"/>
-              </a:rPr>
-              <a:t>"</a:t>
-            </a:r>
-            <a:r>
-              <a:rPr lang="en-US" dirty="0" err="1" smtClean="0">
-                <a:latin typeface="Calibri" pitchFamily="34" charset="0"/>
-              </a:rPr>
-              <a:t>isAdmin</a:t>
-            </a:r>
-            <a:r>
-              <a:rPr lang="en-US" dirty="0" smtClean="0">
-                <a:latin typeface="Calibri" pitchFamily="34" charset="0"/>
-              </a:rPr>
-              <a:t>": </a:t>
-            </a:r>
-            <a:r>
-              <a:rPr lang="en-US" dirty="0" smtClean="0">
-                <a:solidFill>
-                  <a:schemeClr val="accent1">
-                    <a:lumMod val="75000"/>
-                  </a:schemeClr>
-                </a:solidFill>
-                <a:latin typeface="Calibri" pitchFamily="34" charset="0"/>
-              </a:rPr>
-              <a:t>false</a:t>
-            </a:r>
-            <a:r>
-              <a:rPr lang="en-US" dirty="0" smtClean="0">
-                <a:latin typeface="Calibri" pitchFamily="34" charset="0"/>
-              </a:rPr>
-              <a:t>, </a:t>
-            </a:r>
-          </a:p>
-          <a:p>
-            <a:r>
-              <a:rPr lang="en-US" dirty="0" smtClean="0">
-                <a:latin typeface="Calibri" pitchFamily="34" charset="0"/>
-              </a:rPr>
-              <a:t>"friends": [0,1,2,3] }'; </a:t>
             </a:r>
             <a:endParaRPr lang="en-US" dirty="0">
               <a:latin typeface="Calibri" pitchFamily="34" charset="0"/>
             </a:endParaRPr>
+          </a:p>
+          <a:p>
+            <a:r>
+              <a:rPr lang="uk-UA" dirty="0">
+                <a:latin typeface="Calibri" pitchFamily="34" charset="0"/>
+              </a:rPr>
+              <a:t>"</a:t>
+            </a:r>
+            <a:r>
+              <a:rPr lang="en-US" dirty="0">
+                <a:latin typeface="Calibri" pitchFamily="34" charset="0"/>
+              </a:rPr>
+              <a:t>age": 35, </a:t>
+            </a:r>
+          </a:p>
+          <a:p>
+            <a:r>
+              <a:rPr lang="en-US" dirty="0">
+                <a:latin typeface="Calibri" pitchFamily="34" charset="0"/>
+              </a:rPr>
+              <a:t>"</a:t>
+            </a:r>
+            <a:r>
+              <a:rPr lang="en-US" dirty="0" err="1">
+                <a:latin typeface="Calibri" pitchFamily="34" charset="0"/>
+              </a:rPr>
+              <a:t>isAdmin</a:t>
+            </a:r>
+            <a:r>
+              <a:rPr lang="en-US" dirty="0">
+                <a:latin typeface="Calibri" pitchFamily="34" charset="0"/>
+              </a:rPr>
+              <a:t>": </a:t>
+            </a:r>
+            <a:r>
+              <a:rPr lang="en-US" dirty="0">
+                <a:solidFill>
+                  <a:srgbClr val="0070C0"/>
+                </a:solidFill>
+                <a:latin typeface="Calibri" pitchFamily="34" charset="0"/>
+              </a:rPr>
+              <a:t>false</a:t>
+            </a:r>
+            <a:r>
+              <a:rPr lang="en-US" dirty="0">
+                <a:latin typeface="Calibri" pitchFamily="34" charset="0"/>
+              </a:rPr>
+              <a:t>, </a:t>
+            </a:r>
+          </a:p>
+          <a:p>
+            <a:r>
+              <a:rPr lang="en-US" dirty="0">
+                <a:latin typeface="Calibri" pitchFamily="34" charset="0"/>
+              </a:rPr>
+              <a:t>"friends": [0,1,2,3] }'; </a:t>
+            </a:r>
           </a:p>
         </p:txBody>
       </p:sp>
@@ -3735,43 +3670,43 @@
           <a:p>
             <a:pPr algn="just"/>
             <a:r>
-              <a:rPr lang="en-US" b="1" dirty="0" err="1" smtClean="0">
+              <a:rPr lang="en-US" b="1" dirty="0" err="1">
                 <a:latin typeface="Calibri" pitchFamily="34" charset="0"/>
               </a:rPr>
               <a:t>JSON</a:t>
             </a:r>
             <a:r>
-              <a:rPr lang="en-US" b="1" dirty="0" smtClean="0">
+              <a:rPr lang="en-US" b="1" dirty="0">
                 <a:latin typeface="Calibri" pitchFamily="34" charset="0"/>
               </a:rPr>
               <a:t> </a:t>
             </a:r>
             <a:r>
-              <a:rPr lang="ru-RU" dirty="0" smtClean="0">
+              <a:rPr lang="ru-RU" dirty="0">
                 <a:latin typeface="Calibri" pitchFamily="34" charset="0"/>
               </a:rPr>
               <a:t>(</a:t>
             </a:r>
             <a:r>
-              <a:rPr lang="en-US" dirty="0" smtClean="0">
+              <a:rPr lang="en-US" dirty="0">
                 <a:latin typeface="Calibri" pitchFamily="34" charset="0"/>
               </a:rPr>
               <a:t>JavaScript Object Notation </a:t>
             </a:r>
             <a:r>
-              <a:rPr lang="ru-RU" dirty="0" smtClean="0">
+              <a:rPr lang="ru-RU" dirty="0">
                 <a:latin typeface="Calibri" pitchFamily="34" charset="0"/>
               </a:rPr>
               <a:t>)</a:t>
             </a:r>
             <a:r>
-              <a:rPr lang="en-US" dirty="0" smtClean="0">
+              <a:rPr lang="en-US" dirty="0">
                 <a:latin typeface="Calibri" pitchFamily="34" charset="0"/>
               </a:rPr>
               <a:t>– </a:t>
             </a:r>
             <a:r>
-              <a:rPr lang="ru-RU" dirty="0" smtClean="0">
+              <a:rPr lang="ru-RU" dirty="0">
                 <a:latin typeface="Calibri" pitchFamily="34" charset="0"/>
               </a:rPr>
               <a:t>формат данных, который используется для представления объектов в виде строки. </a:t>
@@ -3802,29 +3737,29 @@
           <a:lstStyle/>
           <a:p>
             <a:r>
-              <a:rPr lang="ru-RU" dirty="0" smtClean="0">
+              <a:rPr lang="ru-RU" dirty="0">
                 <a:latin typeface="Calibri" pitchFamily="34" charset="0"/>
               </a:rPr>
               <a:t>Данные в формате </a:t>
             </a:r>
             <a:r>
-              <a:rPr lang="ru-RU" dirty="0" err="1" smtClean="0">
+              <a:rPr lang="ru-RU" dirty="0" err="1">
                 <a:latin typeface="Calibri" pitchFamily="34" charset="0"/>
               </a:rPr>
               <a:t>JSO</a:t>
             </a:r>
             <a:r>
-              <a:rPr lang="en-US" dirty="0" smtClean="0">
+              <a:rPr lang="en-US" dirty="0">
                 <a:latin typeface="Calibri" pitchFamily="34" charset="0"/>
               </a:rPr>
               <a:t>N: </a:t>
             </a:r>
-            <a:endParaRPr lang="ru-RU" dirty="0" smtClean="0">
+            <a:endParaRPr lang="ru-RU" dirty="0">
               <a:latin typeface="Calibri" pitchFamily="34" charset="0"/>
             </a:endParaRPr>
           </a:p>
           <a:p>
-            <a:endParaRPr lang="ru-RU" dirty="0" smtClean="0">
+            <a:endParaRPr lang="ru-RU" dirty="0">
               <a:latin typeface="Calibri" pitchFamily="34" charset="0"/>
             </a:endParaRPr>
           </a:p>
@@ -3834,7 +3769,7 @@
               <a:buChar char="§"/>
             </a:pPr>
             <a:r>
-              <a:rPr lang="ru-RU" dirty="0" smtClean="0">
+              <a:rPr lang="ru-RU" dirty="0">
                 <a:latin typeface="Calibri" pitchFamily="34" charset="0"/>
               </a:rPr>
               <a:t>  JavaScript-объекты { ... } </a:t>
@@ -3846,7 +3781,7 @@
               <a:buChar char="§"/>
             </a:pPr>
             <a:r>
-              <a:rPr lang="ru-RU" dirty="0" smtClean="0">
+              <a:rPr lang="ru-RU" dirty="0">
                 <a:latin typeface="Calibri" pitchFamily="34" charset="0"/>
               </a:rPr>
               <a:t>  Массивы [ ... ] или</a:t>
@@ -3858,7 +3793,7 @@
               <a:buChar char="§"/>
             </a:pPr>
             <a:r>
-              <a:rPr lang="ru-RU" dirty="0" smtClean="0">
+              <a:rPr lang="ru-RU" dirty="0">
                 <a:latin typeface="Calibri" pitchFamily="34" charset="0"/>
               </a:rPr>
               <a:t>  Значения одного из типов:</a:t>
@@ -3870,7 +3805,7 @@
               <a:buAutoNum type="arabicPeriod"/>
             </a:pPr>
             <a:r>
-              <a:rPr lang="ru-RU" dirty="0" smtClean="0">
+              <a:rPr lang="ru-RU" dirty="0">
                 <a:latin typeface="Calibri" pitchFamily="34" charset="0"/>
               </a:rPr>
               <a:t>строки в двойных кавычках,</a:t>
@@ -3882,7 +3817,7 @@
               <a:buAutoNum type="arabicPeriod"/>
             </a:pPr>
             <a:r>
-              <a:rPr lang="ru-RU" dirty="0" smtClean="0">
+              <a:rPr lang="ru-RU" dirty="0">
                 <a:latin typeface="Calibri" pitchFamily="34" charset="0"/>
               </a:rPr>
               <a:t>число,</a:t>
@@ -3894,31 +3829,40 @@
               <a:buAutoNum type="arabicPeriod"/>
             </a:pPr>
             <a:r>
-              <a:rPr lang="ru-RU" dirty="0" smtClean="0">
+              <a:rPr lang="ru-RU" dirty="0">
                 <a:latin typeface="Calibri" pitchFamily="34" charset="0"/>
               </a:rPr>
               <a:t>логическое значение </a:t>
             </a:r>
             <a:r>
-              <a:rPr lang="ru-RU" dirty="0" err="1" smtClean="0">
+              <a:rPr lang="ru-RU" dirty="0" err="1">
+                <a:solidFill>
+                  <a:srgbClr val="0070C0"/>
+                </a:solidFill>
                 <a:latin typeface="Calibri" pitchFamily="34" charset="0"/>
               </a:rPr>
               <a:t>true</a:t>
             </a:r>
             <a:r>
-              <a:rPr lang="ru-RU" dirty="0" smtClean="0">
+              <a:rPr lang="ru-RU" dirty="0">
+                <a:solidFill>
+                  <a:srgbClr val="0070C0"/>
+                </a:solidFill>
                 <a:latin typeface="Calibri" pitchFamily="34" charset="0"/>
               </a:rPr>
               <a:t>/</a:t>
             </a:r>
             <a:r>
-              <a:rPr lang="ru-RU" dirty="0" err="1" smtClean="0">
+              <a:rPr lang="ru-RU" dirty="0" err="1">
+                <a:solidFill>
+                  <a:srgbClr val="0070C0"/>
+                </a:solidFill>
                 <a:latin typeface="Calibri" pitchFamily="34" charset="0"/>
               </a:rPr>
               <a:t>false</a:t>
             </a:r>
             <a:r>
-              <a:rPr lang="ru-RU" dirty="0" smtClean="0">
+              <a:rPr lang="ru-RU" dirty="0">
                 <a:latin typeface="Calibri" pitchFamily="34" charset="0"/>
               </a:rPr>
               <a:t>,</a:t>
@@ -3930,26 +3874,26 @@
               <a:buAutoNum type="arabicPeriod"/>
             </a:pPr>
             <a:r>
-              <a:rPr lang="en-US" dirty="0" smtClean="0">
+              <a:rPr lang="en-US" dirty="0">
                 <a:latin typeface="Calibri" pitchFamily="34" charset="0"/>
               </a:rPr>
               <a:t>n</a:t>
             </a:r>
             <a:r>
-              <a:rPr lang="ru-RU" dirty="0" err="1" smtClean="0">
+              <a:rPr lang="ru-RU" dirty="0" err="1">
+                <a:solidFill>
+                  <a:srgbClr val="0070C0"/>
+                </a:solidFill>
                 <a:latin typeface="Calibri" pitchFamily="34" charset="0"/>
               </a:rPr>
               <a:t>ull</a:t>
             </a:r>
             <a:r>
-              <a:rPr lang="ru-RU" dirty="0" smtClean="0">
+              <a:rPr lang="ru-RU" dirty="0">
                 <a:latin typeface="Calibri" pitchFamily="34" charset="0"/>
               </a:rPr>
               <a:t> </a:t>
             </a:r>
-            <a:endParaRPr lang="ru-RU" dirty="0" smtClean="0">
-              <a:latin typeface="Calibri" pitchFamily="34" charset="0"/>
-            </a:endParaRPr>
           </a:p>
           <a:p>
             <a:endParaRPr lang="en-US" dirty="0">
@@ -3961,20 +3905,13 @@
     </p:spTree>
     <p:extLst>
       <p:ext uri="{BB962C8B-B14F-4D97-AF65-F5344CB8AC3E}">
-        <p14:creationId xmlns="" xmlns:p14="http://schemas.microsoft.com/office/powerpoint/2010/main" val="9290874"/>
+        <p14:creationId xmlns:p14="http://schemas.microsoft.com/office/powerpoint/2010/main" val="9290874"/>
       </p:ext>
     </p:extLst>
   </p:cSld>
   <p:clrMapOvr>
     <a:masterClrMapping/>
   </p:clrMapOvr>
-  <p:timing>
-    <p:tnLst>
-      <p:par>
-        <p:cTn id="1" dur="indefinite" restart="never" nodeType="tmRoot"/>
-      </p:par>
-    </p:tnLst>
-  </p:timing>
 </p:sld>
 </file>
 
@@ -4016,25 +3953,25 @@
           <a:lstStyle/>
           <a:p>
             <a:r>
-              <a:rPr lang="en-US" sz="2800" dirty="0" err="1" smtClean="0">
+              <a:rPr lang="en-US" sz="2800" dirty="0" err="1">
                 <a:latin typeface="Calibri" pitchFamily="34" charset="0"/>
               </a:rPr>
               <a:t>setTimeout</a:t>
             </a:r>
             <a:r>
-              <a:rPr lang="en-US" sz="2800" dirty="0" smtClean="0">
+              <a:rPr lang="en-US" sz="2800" dirty="0">
                 <a:latin typeface="Calibri" pitchFamily="34" charset="0"/>
               </a:rPr>
               <a:t> </a:t>
             </a:r>
             <a:r>
-              <a:rPr lang="ru-RU" sz="2800" dirty="0" smtClean="0">
+              <a:rPr lang="ru-RU" sz="2800" dirty="0">
                 <a:latin typeface="Calibri" pitchFamily="34" charset="0"/>
               </a:rPr>
               <a:t>и </a:t>
             </a:r>
             <a:r>
-              <a:rPr lang="en-US" sz="2800" dirty="0" err="1" smtClean="0">
+              <a:rPr lang="en-US" sz="2800" dirty="0" err="1">
                 <a:latin typeface="Calibri" pitchFamily="34" charset="0"/>
               </a:rPr>
               <a:t>setInterval</a:t>
@@ -4082,41 +4019,41 @@
           <a:p>
             <a:pPr algn="ctr"/>
             <a:r>
-              <a:rPr lang="en-US" b="1" dirty="0" err="1" smtClean="0">
+              <a:rPr lang="en-US" b="1" dirty="0" err="1">
                 <a:latin typeface="Calibri" pitchFamily="34" charset="0"/>
               </a:rPr>
               <a:t>setTimeout</a:t>
             </a:r>
             <a:r>
-              <a:rPr lang="ru-RU" b="1" dirty="0" smtClean="0">
+              <a:rPr lang="ru-RU" b="1" dirty="0">
                 <a:latin typeface="Calibri" pitchFamily="34" charset="0"/>
               </a:rPr>
               <a:t> </a:t>
             </a:r>
             <a:r>
-              <a:rPr lang="en-US" b="1" dirty="0" smtClean="0">
+              <a:rPr lang="en-US" b="1" dirty="0">
                 <a:latin typeface="Calibri" pitchFamily="34" charset="0"/>
               </a:rPr>
               <a:t>()</a:t>
             </a:r>
-            <a:endParaRPr lang="ru-RU" b="1" dirty="0" smtClean="0">
+            <a:endParaRPr lang="ru-RU" b="1" dirty="0">
               <a:latin typeface="Calibri" pitchFamily="34" charset="0"/>
             </a:endParaRPr>
           </a:p>
           <a:p>
-            <a:endParaRPr lang="ru-RU" b="1" dirty="0" smtClean="0">
+            <a:endParaRPr lang="ru-RU" b="1" dirty="0">
               <a:latin typeface="Calibri" pitchFamily="34" charset="0"/>
             </a:endParaRPr>
           </a:p>
           <a:p>
             <a:r>
-              <a:rPr lang="ru-RU" dirty="0" smtClean="0">
+              <a:rPr lang="ru-RU" dirty="0">
                 <a:latin typeface="Calibri" pitchFamily="34" charset="0"/>
               </a:rPr>
               <a:t>Синтаксис</a:t>
             </a:r>
             <a:r>
-              <a:rPr lang="en-US" dirty="0" smtClean="0">
+              <a:rPr lang="en-US" dirty="0">
                 <a:latin typeface="Calibri" pitchFamily="34" charset="0"/>
               </a:rPr>
               <a:t>: </a:t>
@@ -4124,7 +4061,7 @@
           </a:p>
           <a:p>
             <a:r>
-              <a:rPr lang="en-US" dirty="0" err="1" smtClean="0">
+              <a:rPr lang="en-US" dirty="0" err="1">
                 <a:solidFill>
                   <a:schemeClr val="accent1">
                     <a:lumMod val="75000"/>
@@ -4135,67 +4072,67 @@
               <a:t>var</a:t>
             </a:r>
             <a:r>
-              <a:rPr lang="en-US" dirty="0" smtClean="0">
+              <a:rPr lang="en-US" dirty="0">
                 <a:latin typeface="Calibri" pitchFamily="34" charset="0"/>
               </a:rPr>
               <a:t> </a:t>
             </a:r>
             <a:r>
-              <a:rPr lang="en-US" dirty="0" err="1" smtClean="0">
+              <a:rPr lang="en-US" dirty="0" err="1">
                 <a:latin typeface="Calibri" pitchFamily="34" charset="0"/>
               </a:rPr>
               <a:t>timerId</a:t>
             </a:r>
             <a:r>
-              <a:rPr lang="en-US" dirty="0" smtClean="0">
+              <a:rPr lang="en-US" dirty="0">
                 <a:latin typeface="Calibri" pitchFamily="34" charset="0"/>
               </a:rPr>
               <a:t> = </a:t>
             </a:r>
             <a:r>
-              <a:rPr lang="en-US" dirty="0" err="1" smtClean="0">
+              <a:rPr lang="en-US" dirty="0" err="1">
                 <a:latin typeface="Calibri" pitchFamily="34" charset="0"/>
               </a:rPr>
               <a:t>setTimeout</a:t>
             </a:r>
             <a:r>
-              <a:rPr lang="en-US" dirty="0" smtClean="0">
+              <a:rPr lang="en-US" dirty="0">
                 <a:latin typeface="Calibri" pitchFamily="34" charset="0"/>
               </a:rPr>
               <a:t>(</a:t>
             </a:r>
             <a:r>
-              <a:rPr lang="en-US" dirty="0" err="1" smtClean="0">
+              <a:rPr lang="en-US" dirty="0" err="1">
                 <a:latin typeface="Calibri" pitchFamily="34" charset="0"/>
               </a:rPr>
               <a:t>func</a:t>
             </a:r>
             <a:r>
-              <a:rPr lang="en-US" dirty="0" smtClean="0">
+              <a:rPr lang="en-US" dirty="0">
                 <a:latin typeface="Calibri" pitchFamily="34" charset="0"/>
               </a:rPr>
               <a:t> / code, delay[, </a:t>
             </a:r>
             <a:r>
-              <a:rPr lang="en-US" dirty="0" err="1" smtClean="0">
+              <a:rPr lang="en-US" dirty="0" err="1">
                 <a:latin typeface="Calibri" pitchFamily="34" charset="0"/>
               </a:rPr>
               <a:t>arg1</a:t>
             </a:r>
             <a:r>
-              <a:rPr lang="en-US" dirty="0" smtClean="0">
+              <a:rPr lang="en-US" dirty="0">
                 <a:latin typeface="Calibri" pitchFamily="34" charset="0"/>
               </a:rPr>
               <a:t>, </a:t>
             </a:r>
             <a:r>
-              <a:rPr lang="en-US" dirty="0" err="1" smtClean="0">
+              <a:rPr lang="en-US" dirty="0" err="1">
                 <a:latin typeface="Calibri" pitchFamily="34" charset="0"/>
               </a:rPr>
               <a:t>arg2</a:t>
             </a:r>
             <a:r>
-              <a:rPr lang="en-US" dirty="0" smtClean="0">
+              <a:rPr lang="en-US" dirty="0">
                 <a:latin typeface="Calibri" pitchFamily="34" charset="0"/>
               </a:rPr>
               <a:t>...])</a:t>
@@ -4240,7 +4177,7 @@
           <a:p>
             <a:pPr algn="ctr"/>
             <a:r>
-              <a:rPr lang="ru-RU" dirty="0" smtClean="0">
+              <a:rPr lang="ru-RU" dirty="0">
                 <a:latin typeface="Calibri" pitchFamily="34" charset="0"/>
               </a:rPr>
               <a:t>Параметры:</a:t>
@@ -4252,42 +4189,42 @@
               <a:buChar char="§"/>
             </a:pPr>
             <a:r>
-              <a:rPr lang="en-US" dirty="0" smtClean="0">
+              <a:rPr lang="en-US" dirty="0">
                 <a:latin typeface="Calibri" pitchFamily="34" charset="0"/>
               </a:rPr>
               <a:t>  F</a:t>
             </a:r>
             <a:r>
-              <a:rPr lang="ru-RU" dirty="0" err="1" smtClean="0">
+              <a:rPr lang="ru-RU" dirty="0" err="1">
                 <a:latin typeface="Calibri" pitchFamily="34" charset="0"/>
               </a:rPr>
               <a:t>unc</a:t>
             </a:r>
             <a:r>
-              <a:rPr lang="ru-RU" dirty="0" smtClean="0">
+              <a:rPr lang="ru-RU" dirty="0">
                 <a:latin typeface="Calibri" pitchFamily="34" charset="0"/>
               </a:rPr>
               <a:t>/</a:t>
             </a:r>
             <a:r>
-              <a:rPr lang="ru-RU" dirty="0" err="1" smtClean="0">
+              <a:rPr lang="ru-RU" dirty="0" err="1">
                 <a:latin typeface="Calibri" pitchFamily="34" charset="0"/>
               </a:rPr>
               <a:t>code</a:t>
             </a:r>
             <a:r>
-              <a:rPr lang="en-US" dirty="0" smtClean="0">
+              <a:rPr lang="en-US" dirty="0">
                 <a:latin typeface="Calibri" pitchFamily="34" charset="0"/>
               </a:rPr>
               <a:t> - </a:t>
             </a:r>
             <a:r>
-              <a:rPr lang="ru-RU" dirty="0" smtClean="0">
+              <a:rPr lang="ru-RU" dirty="0">
                 <a:latin typeface="Calibri" pitchFamily="34" charset="0"/>
               </a:rPr>
               <a:t>Функция или строка кода для исполнения. </a:t>
             </a:r>
-            <a:endParaRPr lang="en-US" dirty="0" smtClean="0">
+            <a:endParaRPr lang="en-US" dirty="0">
               <a:latin typeface="Calibri" pitchFamily="34" charset="0"/>
             </a:endParaRPr>
           </a:p>
@@ -4297,55 +4234,55 @@
               <a:buChar char="§"/>
             </a:pPr>
             <a:r>
-              <a:rPr lang="en-US" dirty="0" smtClean="0">
+              <a:rPr lang="en-US" dirty="0">
                 <a:latin typeface="Calibri" pitchFamily="34" charset="0"/>
               </a:rPr>
               <a:t>  D</a:t>
             </a:r>
             <a:r>
-              <a:rPr lang="ru-RU" dirty="0" err="1" smtClean="0">
+              <a:rPr lang="ru-RU" dirty="0" err="1">
                 <a:latin typeface="Calibri" pitchFamily="34" charset="0"/>
               </a:rPr>
               <a:t>elay</a:t>
             </a:r>
             <a:r>
-              <a:rPr lang="en-US" dirty="0" smtClean="0">
+              <a:rPr lang="en-US" dirty="0">
                 <a:latin typeface="Calibri" pitchFamily="34" charset="0"/>
               </a:rPr>
               <a:t>/Interval - </a:t>
             </a:r>
             <a:r>
-              <a:rPr lang="ru-RU" dirty="0" smtClean="0">
+              <a:rPr lang="ru-RU" dirty="0">
                 <a:latin typeface="Calibri" pitchFamily="34" charset="0"/>
               </a:rPr>
               <a:t>Задержка в </a:t>
             </a:r>
             <a:r>
-              <a:rPr lang="ru-RU" dirty="0" err="1" smtClean="0">
+              <a:rPr lang="ru-RU" dirty="0" err="1">
                 <a:latin typeface="Calibri" pitchFamily="34" charset="0"/>
               </a:rPr>
               <a:t>милисекундах</a:t>
             </a:r>
             <a:r>
-              <a:rPr lang="ru-RU" dirty="0" smtClean="0">
+              <a:rPr lang="ru-RU" dirty="0">
                 <a:latin typeface="Calibri" pitchFamily="34" charset="0"/>
               </a:rPr>
               <a:t>, 1000 </a:t>
             </a:r>
             <a:r>
-              <a:rPr lang="ru-RU" dirty="0" err="1" smtClean="0">
+              <a:rPr lang="ru-RU" dirty="0" err="1">
                 <a:latin typeface="Calibri" pitchFamily="34" charset="0"/>
               </a:rPr>
               <a:t>милисекунд</a:t>
             </a:r>
             <a:r>
-              <a:rPr lang="ru-RU" dirty="0" smtClean="0">
+              <a:rPr lang="ru-RU" dirty="0">
                 <a:latin typeface="Calibri" pitchFamily="34" charset="0"/>
               </a:rPr>
               <a:t> равны 1 секунде.</a:t>
             </a:r>
             <a:r>
-              <a:rPr lang="en-US" dirty="0" smtClean="0">
+              <a:rPr lang="en-US" dirty="0">
                 <a:latin typeface="Calibri" pitchFamily="34" charset="0"/>
               </a:rPr>
               <a:t> </a:t>
@@ -4357,43 +4294,43 @@
               <a:buChar char="§"/>
             </a:pPr>
             <a:r>
-              <a:rPr lang="en-US" dirty="0" smtClean="0">
+              <a:rPr lang="en-US" dirty="0">
                 <a:latin typeface="Calibri" pitchFamily="34" charset="0"/>
               </a:rPr>
               <a:t>  </a:t>
             </a:r>
             <a:r>
-              <a:rPr lang="ru-RU" dirty="0" err="1" smtClean="0">
+              <a:rPr lang="ru-RU" dirty="0" err="1">
                 <a:latin typeface="Calibri" pitchFamily="34" charset="0"/>
               </a:rPr>
               <a:t>arg1</a:t>
             </a:r>
             <a:r>
-              <a:rPr lang="ru-RU" dirty="0" smtClean="0">
+              <a:rPr lang="ru-RU" dirty="0">
                 <a:latin typeface="Calibri" pitchFamily="34" charset="0"/>
               </a:rPr>
               <a:t>, </a:t>
             </a:r>
             <a:r>
-              <a:rPr lang="ru-RU" dirty="0" err="1" smtClean="0">
+              <a:rPr lang="ru-RU" dirty="0" err="1">
                 <a:latin typeface="Calibri" pitchFamily="34" charset="0"/>
               </a:rPr>
               <a:t>arg2</a:t>
             </a:r>
             <a:r>
-              <a:rPr lang="ru-RU" dirty="0" smtClean="0">
+              <a:rPr lang="ru-RU" dirty="0">
                 <a:latin typeface="Calibri" pitchFamily="34" charset="0"/>
               </a:rPr>
               <a:t>…</a:t>
             </a:r>
             <a:r>
-              <a:rPr lang="en-US" dirty="0" smtClean="0">
+              <a:rPr lang="en-US" dirty="0">
                 <a:latin typeface="Calibri" pitchFamily="34" charset="0"/>
               </a:rPr>
               <a:t> - </a:t>
             </a:r>
             <a:r>
-              <a:rPr lang="ru-RU" dirty="0" smtClean="0">
+              <a:rPr lang="ru-RU" dirty="0">
                 <a:latin typeface="Calibri" pitchFamily="34" charset="0"/>
               </a:rPr>
               <a:t>Аргументы, которые нужно передать функции. </a:t>
@@ -4441,32 +4378,32 @@
           <a:p>
             <a:pPr algn="ctr"/>
             <a:r>
-              <a:rPr lang="en-US" b="1" dirty="0" err="1" smtClean="0">
+              <a:rPr lang="en-US" b="1" dirty="0" err="1">
                 <a:latin typeface="Calibri" pitchFamily="34" charset="0"/>
               </a:rPr>
               <a:t>setInterval</a:t>
             </a:r>
             <a:r>
-              <a:rPr lang="en-US" b="1" dirty="0" smtClean="0">
+              <a:rPr lang="en-US" b="1" dirty="0">
                 <a:latin typeface="Calibri" pitchFamily="34" charset="0"/>
               </a:rPr>
               <a:t>() </a:t>
             </a:r>
           </a:p>
           <a:p>
-            <a:endParaRPr lang="en-US" b="1" dirty="0" smtClean="0">
+            <a:endParaRPr lang="en-US" b="1" dirty="0">
               <a:latin typeface="Calibri" pitchFamily="34" charset="0"/>
             </a:endParaRPr>
           </a:p>
           <a:p>
             <a:r>
-              <a:rPr lang="ru-RU" dirty="0" smtClean="0">
+              <a:rPr lang="ru-RU" dirty="0">
                 <a:latin typeface="Calibri" pitchFamily="34" charset="0"/>
               </a:rPr>
               <a:t>Синтаксис</a:t>
             </a:r>
             <a:r>
-              <a:rPr lang="en-US" dirty="0" smtClean="0">
+              <a:rPr lang="en-US" dirty="0">
                 <a:latin typeface="Calibri" pitchFamily="34" charset="0"/>
               </a:rPr>
               <a:t>: </a:t>
@@ -4474,7 +4411,7 @@
           </a:p>
           <a:p>
             <a:r>
-              <a:rPr lang="en-US" dirty="0" err="1" smtClean="0">
+              <a:rPr lang="en-US" dirty="0" err="1">
                 <a:solidFill>
                   <a:schemeClr val="accent1">
                     <a:lumMod val="75000"/>
@@ -4485,7 +4422,7 @@
               <a:t>var</a:t>
             </a:r>
             <a:r>
-              <a:rPr lang="en-US" dirty="0" smtClean="0">
+              <a:rPr lang="en-US" dirty="0">
                 <a:solidFill>
                   <a:schemeClr val="accent1">
                     <a:lumMod val="75000"/>
@@ -4496,88 +4433,78 @@
               <a:t> </a:t>
             </a:r>
             <a:r>
-              <a:rPr lang="en-US" dirty="0" err="1" smtClean="0">
+              <a:rPr lang="en-US" dirty="0" err="1">
                 <a:latin typeface="Calibri" pitchFamily="34" charset="0"/>
               </a:rPr>
               <a:t>timerId</a:t>
             </a:r>
             <a:r>
-              <a:rPr lang="en-US" dirty="0" smtClean="0">
+              <a:rPr lang="en-US" dirty="0">
                 <a:latin typeface="Calibri" pitchFamily="34" charset="0"/>
               </a:rPr>
               <a:t> = </a:t>
             </a:r>
             <a:r>
-              <a:rPr lang="en-US" dirty="0" err="1" smtClean="0">
+              <a:rPr lang="en-US" dirty="0" err="1">
                 <a:latin typeface="Calibri" pitchFamily="34" charset="0"/>
               </a:rPr>
               <a:t>setInterval</a:t>
             </a:r>
             <a:r>
-              <a:rPr lang="en-US" dirty="0" smtClean="0">
+              <a:rPr lang="en-US" dirty="0">
                 <a:latin typeface="Calibri" pitchFamily="34" charset="0"/>
               </a:rPr>
               <a:t>(</a:t>
             </a:r>
             <a:r>
-              <a:rPr lang="en-US" dirty="0" err="1" smtClean="0">
+              <a:rPr lang="en-US" dirty="0" err="1">
                 <a:latin typeface="Calibri" pitchFamily="34" charset="0"/>
               </a:rPr>
               <a:t>func</a:t>
             </a:r>
             <a:r>
-              <a:rPr lang="en-US" dirty="0" smtClean="0">
+              <a:rPr lang="en-US" dirty="0">
                 <a:latin typeface="Calibri" pitchFamily="34" charset="0"/>
               </a:rPr>
               <a:t> / code, interval[, </a:t>
             </a:r>
             <a:r>
-              <a:rPr lang="en-US" dirty="0" err="1" smtClean="0">
+              <a:rPr lang="en-US" dirty="0" err="1">
                 <a:latin typeface="Calibri" pitchFamily="34" charset="0"/>
               </a:rPr>
               <a:t>arg1</a:t>
             </a:r>
             <a:r>
-              <a:rPr lang="en-US" dirty="0" smtClean="0">
+              <a:rPr lang="en-US" dirty="0">
                 <a:latin typeface="Calibri" pitchFamily="34" charset="0"/>
               </a:rPr>
               <a:t>, </a:t>
             </a:r>
             <a:r>
-              <a:rPr lang="en-US" dirty="0" err="1" smtClean="0">
+              <a:rPr lang="en-US" dirty="0" err="1">
                 <a:latin typeface="Calibri" pitchFamily="34" charset="0"/>
               </a:rPr>
               <a:t>arg2</a:t>
             </a:r>
             <a:r>
-              <a:rPr lang="en-US" dirty="0" smtClean="0">
+              <a:rPr lang="en-US" dirty="0">
                 <a:latin typeface="Calibri" pitchFamily="34" charset="0"/>
               </a:rPr>
               <a:t>...])</a:t>
             </a:r>
-            <a:endParaRPr lang="en-US" dirty="0">
-              <a:latin typeface="Calibri" pitchFamily="34" charset="0"/>
-            </a:endParaRPr>
           </a:p>
         </p:txBody>
       </p:sp>
     </p:spTree>
     <p:extLst>
       <p:ext uri="{BB962C8B-B14F-4D97-AF65-F5344CB8AC3E}">
-        <p14:creationId xmlns="" xmlns:p14="http://schemas.microsoft.com/office/powerpoint/2010/main" val="9290874"/>
+        <p14:creationId xmlns:p14="http://schemas.microsoft.com/office/powerpoint/2010/main" val="9290874"/>
       </p:ext>
     </p:extLst>
   </p:cSld>
   <p:clrMapOvr>
     <a:masterClrMapping/>
   </p:clrMapOvr>
-  <p:timing>
-    <p:tnLst>
-      <p:par>
-        <p:cTn id="1" dur="indefinite" restart="never" nodeType="tmRoot"/>
-      </p:par>
-    </p:tnLst>
-  </p:timing>
 </p:sld>
 </file>
 
@@ -4619,13 +4546,13 @@
           <a:lstStyle/>
           <a:p>
             <a:r>
-              <a:rPr lang="ru-RU" sz="2800" dirty="0" smtClean="0">
+              <a:rPr lang="ru-RU" sz="2800" dirty="0">
                 <a:latin typeface="Calibri" pitchFamily="34" charset="0"/>
               </a:rPr>
               <a:t>Запуск кода из строки. </a:t>
             </a:r>
             <a:r>
-              <a:rPr lang="en-US" sz="2800" dirty="0" err="1" smtClean="0">
+              <a:rPr lang="en-US" sz="2800" dirty="0" err="1">
                 <a:latin typeface="Calibri" pitchFamily="34" charset="0"/>
               </a:rPr>
               <a:t>Eval</a:t>
@@ -4672,20 +4599,20 @@
           <a:lstStyle/>
           <a:p>
             <a:r>
-              <a:rPr lang="ru-RU" dirty="0" smtClean="0">
+              <a:rPr lang="ru-RU" dirty="0">
                 <a:latin typeface="Calibri" pitchFamily="34" charset="0"/>
               </a:rPr>
               <a:t>Пример</a:t>
             </a:r>
             <a:r>
-              <a:rPr lang="en-US" dirty="0" smtClean="0">
+              <a:rPr lang="en-US" dirty="0">
                 <a:latin typeface="Calibri" pitchFamily="34" charset="0"/>
               </a:rPr>
               <a:t>: </a:t>
             </a:r>
           </a:p>
           <a:p>
-            <a:endParaRPr lang="en-US" dirty="0" smtClean="0">
+            <a:endParaRPr lang="en-US" dirty="0">
               <a:solidFill>
                 <a:schemeClr val="accent1">
                   <a:lumMod val="75000"/>
@@ -4696,7 +4623,7 @@
           </a:p>
           <a:p>
             <a:r>
-              <a:rPr lang="en-US" dirty="0" err="1" smtClean="0">
+              <a:rPr lang="en-US" dirty="0" err="1">
                 <a:solidFill>
                   <a:schemeClr val="accent1">
                     <a:lumMod val="75000"/>
@@ -4707,7 +4634,7 @@
               <a:t>var</a:t>
             </a:r>
             <a:r>
-              <a:rPr lang="en-US" dirty="0" smtClean="0">
+              <a:rPr lang="en-US" dirty="0">
                 <a:solidFill>
                   <a:schemeClr val="accent1">
                     <a:lumMod val="75000"/>
@@ -4718,24 +4645,39 @@
               <a:t> </a:t>
             </a:r>
             <a:r>
-              <a:rPr lang="en-US" dirty="0" smtClean="0">
+              <a:rPr lang="en-US" dirty="0">
                 <a:latin typeface="Calibri" pitchFamily="34" charset="0"/>
               </a:rPr>
               <a:t>a = 1; </a:t>
             </a:r>
-            <a:endParaRPr lang="ru-RU" dirty="0" smtClean="0">
+            <a:endParaRPr lang="ru-RU" dirty="0">
               <a:latin typeface="Calibri" pitchFamily="34" charset="0"/>
             </a:endParaRPr>
           </a:p>
           <a:p>
             <a:r>
-              <a:rPr lang="en-US" dirty="0" smtClean="0">
+              <a:rPr lang="en-US" dirty="0">
                 <a:latin typeface="Calibri" pitchFamily="34" charset="0"/>
               </a:rPr>
               <a:t>(</a:t>
             </a:r>
             <a:r>
-              <a:rPr lang="en-US" dirty="0" smtClean="0">
+              <a:rPr lang="en-US" dirty="0">
+                <a:solidFill>
+                  <a:srgbClr val="0070C0"/>
+                </a:solidFill>
+                <a:latin typeface="Calibri" pitchFamily="34" charset="0"/>
+              </a:rPr>
+              <a:t>function</a:t>
+            </a:r>
+            <a:r>
+              <a:rPr lang="en-US" dirty="0">
+                <a:latin typeface="Calibri" pitchFamily="34" charset="0"/>
+              </a:rPr>
+              <a:t>() </a:t>
+            </a:r>
+            <a:r>
+              <a:rPr lang="en-US" dirty="0">
                 <a:solidFill>
                   <a:schemeClr val="accent1">
                     <a:lumMod val="75000"/>
@@ -4743,16 +4685,19 @@
                 </a:solidFill>
                 <a:latin typeface="Calibri" pitchFamily="34" charset="0"/>
               </a:rPr>
-              <a:t>function</a:t>
-            </a:r>
-            <a:r>
-              <a:rPr lang="en-US" dirty="0" smtClean="0">
-                <a:latin typeface="Calibri" pitchFamily="34" charset="0"/>
-              </a:rPr>
-              <a:t>() </a:t>
-            </a:r>
-            <a:r>
-              <a:rPr lang="en-US" dirty="0" smtClean="0">
+              <a:t>{ </a:t>
+            </a:r>
+            <a:r>
+              <a:rPr lang="en-US" dirty="0" err="1">
+                <a:solidFill>
+                  <a:srgbClr val="0070C0"/>
+                </a:solidFill>
+                <a:latin typeface="Calibri" pitchFamily="34" charset="0"/>
+              </a:rPr>
+              <a:t>var</a:t>
+            </a:r>
+            <a:r>
+              <a:rPr lang="en-US" dirty="0">
                 <a:solidFill>
                   <a:schemeClr val="accent1">
                     <a:lumMod val="75000"/>
@@ -4760,67 +4705,40 @@
                 </a:solidFill>
                 <a:latin typeface="Calibri" pitchFamily="34" charset="0"/>
               </a:rPr>
-              <a:t>{ </a:t>
-            </a:r>
-            <a:r>
-              <a:rPr lang="en-US" dirty="0" err="1" smtClean="0">
-                <a:solidFill>
-                  <a:schemeClr val="accent1">
-                    <a:lumMod val="75000"/>
-                  </a:schemeClr>
-                </a:solidFill>
-                <a:latin typeface="Calibri" pitchFamily="34" charset="0"/>
-              </a:rPr>
-              <a:t>var</a:t>
-            </a:r>
-            <a:r>
-              <a:rPr lang="en-US" dirty="0" smtClean="0">
-                <a:solidFill>
-                  <a:schemeClr val="accent1">
-                    <a:lumMod val="75000"/>
-                  </a:schemeClr>
-                </a:solidFill>
-                <a:latin typeface="Calibri" pitchFamily="34" charset="0"/>
-              </a:rPr>
               <a:t> </a:t>
             </a:r>
             <a:r>
-              <a:rPr lang="en-US" dirty="0" smtClean="0">
+              <a:rPr lang="en-US" dirty="0">
                 <a:latin typeface="Calibri" pitchFamily="34" charset="0"/>
               </a:rPr>
               <a:t>a = 2; </a:t>
             </a:r>
             <a:r>
-              <a:rPr lang="en-US" dirty="0" err="1" smtClean="0">
-                <a:solidFill>
-                  <a:schemeClr val="accent1">
-                    <a:lumMod val="75000"/>
-                  </a:schemeClr>
+              <a:rPr lang="en-US" dirty="0" err="1">
+                <a:solidFill>
+                  <a:srgbClr val="0070C0"/>
                 </a:solidFill>
                 <a:latin typeface="Calibri" pitchFamily="34" charset="0"/>
               </a:rPr>
               <a:t>eval</a:t>
             </a:r>
             <a:r>
-              <a:rPr lang="en-US" dirty="0" smtClean="0">
+              <a:rPr lang="en-US" dirty="0">
                 <a:latin typeface="Calibri" pitchFamily="34" charset="0"/>
               </a:rPr>
               <a:t>(' alert(a) ');  </a:t>
             </a:r>
-            <a:endParaRPr lang="ru-RU" dirty="0" smtClean="0">
+            <a:endParaRPr lang="ru-RU" dirty="0">
               <a:latin typeface="Calibri" pitchFamily="34" charset="0"/>
             </a:endParaRPr>
           </a:p>
           <a:p>
             <a:r>
-              <a:rPr lang="en-US" dirty="0" smtClean="0">
+              <a:rPr lang="en-US" dirty="0">
                 <a:latin typeface="Calibri" pitchFamily="34" charset="0"/>
               </a:rPr>
               <a:t>})()</a:t>
             </a:r>
-            <a:endParaRPr lang="en-US" dirty="0">
-              <a:latin typeface="Calibri" pitchFamily="34" charset="0"/>
-            </a:endParaRPr>
           </a:p>
         </p:txBody>
       </p:sp>
@@ -4847,68 +4765,68 @@
           <a:lstStyle/>
           <a:p>
             <a:r>
-              <a:rPr lang="ru-RU" dirty="0" smtClean="0">
+              <a:rPr lang="ru-RU" dirty="0">
                 <a:latin typeface="Calibri" pitchFamily="34" charset="0"/>
               </a:rPr>
               <a:t>Функция </a:t>
             </a:r>
             <a:r>
-              <a:rPr lang="ru-RU" b="1" dirty="0" err="1" smtClean="0">
+              <a:rPr lang="ru-RU" b="1" dirty="0" err="1">
                 <a:latin typeface="Calibri" pitchFamily="34" charset="0"/>
               </a:rPr>
               <a:t>eval</a:t>
             </a:r>
             <a:r>
-              <a:rPr lang="ru-RU" b="1" dirty="0" smtClean="0">
+              <a:rPr lang="ru-RU" b="1" dirty="0">
                 <a:latin typeface="Calibri" pitchFamily="34" charset="0"/>
               </a:rPr>
               <a:t>(</a:t>
             </a:r>
             <a:r>
-              <a:rPr lang="ru-RU" b="1" dirty="0" err="1" smtClean="0">
+              <a:rPr lang="ru-RU" b="1" dirty="0" err="1">
                 <a:latin typeface="Calibri" pitchFamily="34" charset="0"/>
               </a:rPr>
               <a:t>code</a:t>
             </a:r>
             <a:r>
-              <a:rPr lang="ru-RU" b="1" dirty="0" smtClean="0">
+              <a:rPr lang="ru-RU" b="1" dirty="0">
                 <a:latin typeface="Calibri" pitchFamily="34" charset="0"/>
               </a:rPr>
               <a:t>) </a:t>
             </a:r>
             <a:r>
-              <a:rPr lang="ru-RU" dirty="0" smtClean="0">
+              <a:rPr lang="ru-RU" dirty="0">
                 <a:latin typeface="Calibri" pitchFamily="34" charset="0"/>
               </a:rPr>
               <a:t>позволяет выполнить код, переданный ей в виде строки.</a:t>
             </a:r>
             <a:r>
-              <a:rPr lang="en-US" dirty="0" smtClean="0">
+              <a:rPr lang="en-US" dirty="0">
                 <a:latin typeface="Calibri" pitchFamily="34" charset="0"/>
               </a:rPr>
               <a:t> </a:t>
             </a:r>
           </a:p>
           <a:p>
-            <a:endParaRPr lang="ru-RU" dirty="0" smtClean="0">
+            <a:endParaRPr lang="ru-RU" dirty="0">
               <a:latin typeface="Calibri" pitchFamily="34" charset="0"/>
             </a:endParaRPr>
           </a:p>
           <a:p>
             <a:r>
-              <a:rPr lang="ru-RU" dirty="0" smtClean="0">
+              <a:rPr lang="ru-RU" dirty="0">
                 <a:latin typeface="Calibri" pitchFamily="34" charset="0"/>
               </a:rPr>
               <a:t>Этот код будет выполнен в </a:t>
             </a:r>
             <a:r>
-              <a:rPr lang="ru-RU" i="1" dirty="0" smtClean="0">
+              <a:rPr lang="ru-RU" i="1" dirty="0">
                 <a:latin typeface="Calibri" pitchFamily="34" charset="0"/>
               </a:rPr>
               <a:t>текущей области видимости</a:t>
             </a:r>
             <a:r>
-              <a:rPr lang="ru-RU" dirty="0" smtClean="0">
+              <a:rPr lang="ru-RU" dirty="0">
                 <a:latin typeface="Calibri" pitchFamily="34" charset="0"/>
               </a:rPr>
               <a:t>.</a:t>
@@ -4944,55 +4862,99 @@
           <a:lstStyle/>
           <a:p>
             <a:r>
-              <a:rPr lang="ru-RU" dirty="0" smtClean="0">
+              <a:rPr lang="ru-RU" dirty="0">
                 <a:latin typeface="Calibri" pitchFamily="34" charset="0"/>
               </a:rPr>
               <a:t>Альтернатива методу </a:t>
             </a:r>
             <a:r>
-              <a:rPr lang="en-US" dirty="0" err="1" smtClean="0">
+              <a:rPr lang="en-US" dirty="0" err="1">
                 <a:latin typeface="Calibri" pitchFamily="34" charset="0"/>
               </a:rPr>
               <a:t>eval</a:t>
             </a:r>
             <a:r>
-              <a:rPr lang="en-US" dirty="0" smtClean="0">
+              <a:rPr lang="en-US" dirty="0">
                 <a:latin typeface="Calibri" pitchFamily="34" charset="0"/>
               </a:rPr>
               <a:t> – </a:t>
             </a:r>
             <a:r>
-              <a:rPr lang="ru-RU" dirty="0" smtClean="0">
+              <a:rPr lang="ru-RU" dirty="0">
                 <a:latin typeface="Calibri" pitchFamily="34" charset="0"/>
               </a:rPr>
               <a:t>конструктор </a:t>
             </a:r>
             <a:r>
-              <a:rPr lang="en-US" b="1" dirty="0" smtClean="0">
+              <a:rPr lang="en-US" b="1" dirty="0">
                 <a:latin typeface="Calibri" pitchFamily="34" charset="0"/>
               </a:rPr>
               <a:t>new Function.</a:t>
             </a:r>
             <a:r>
-              <a:rPr lang="ru-RU" b="1" dirty="0" smtClean="0">
+              <a:rPr lang="ru-RU" b="1" dirty="0">
                 <a:latin typeface="Calibri" pitchFamily="34" charset="0"/>
               </a:rPr>
               <a:t> </a:t>
             </a:r>
           </a:p>
           <a:p>
-            <a:endParaRPr lang="ru-RU" b="1" dirty="0" smtClean="0">
+            <a:endParaRPr lang="ru-RU" b="1" dirty="0">
               <a:latin typeface="Calibri" pitchFamily="34" charset="0"/>
             </a:endParaRPr>
           </a:p>
           <a:p>
-            <a:endParaRPr lang="en-US" dirty="0" smtClean="0">
+            <a:endParaRPr lang="en-US" dirty="0">
               <a:latin typeface="Calibri" pitchFamily="34" charset="0"/>
             </a:endParaRPr>
           </a:p>
           <a:p>
             <a:r>
-              <a:rPr lang="en-US" dirty="0" err="1" smtClean="0">
+              <a:rPr lang="en-US" dirty="0" err="1">
+                <a:solidFill>
+                  <a:srgbClr val="0070C0"/>
+                </a:solidFill>
+                <a:latin typeface="Calibri" pitchFamily="34" charset="0"/>
+              </a:rPr>
+              <a:t>var</a:t>
+            </a:r>
+            <a:r>
+              <a:rPr lang="en-US" dirty="0">
+                <a:latin typeface="Calibri" pitchFamily="34" charset="0"/>
+              </a:rPr>
+              <a:t> a = 2, b = 3; </a:t>
+            </a:r>
+          </a:p>
+          <a:p>
+            <a:r>
+              <a:rPr lang="en-US" dirty="0" err="1">
+                <a:solidFill>
+                  <a:srgbClr val="0070C0"/>
+                </a:solidFill>
+                <a:latin typeface="Calibri" pitchFamily="34" charset="0"/>
+              </a:rPr>
+              <a:t>var</a:t>
+            </a:r>
+            <a:r>
+              <a:rPr lang="en-US" dirty="0">
+                <a:latin typeface="Calibri" pitchFamily="34" charset="0"/>
+              </a:rPr>
+              <a:t> </a:t>
+            </a:r>
+            <a:r>
+              <a:rPr lang="en-US" dirty="0" err="1">
+                <a:latin typeface="Calibri" pitchFamily="34" charset="0"/>
+              </a:rPr>
+              <a:t>mul</a:t>
+            </a:r>
+            <a:r>
+              <a:rPr lang="en-US" dirty="0">
+                <a:latin typeface="Calibri" pitchFamily="34" charset="0"/>
+              </a:rPr>
+              <a:t> = </a:t>
+            </a:r>
+            <a:r>
+              <a:rPr lang="en-US" dirty="0">
                 <a:solidFill>
                   <a:schemeClr val="accent1">
                     <a:lumMod val="75000"/>
@@ -5000,122 +4962,62 @@
                 </a:solidFill>
                 <a:latin typeface="Calibri" pitchFamily="34" charset="0"/>
               </a:rPr>
-              <a:t>var</a:t>
-            </a:r>
-            <a:r>
-              <a:rPr lang="en-US" dirty="0" smtClean="0">
-                <a:latin typeface="Calibri" pitchFamily="34" charset="0"/>
-              </a:rPr>
-              <a:t> a = 2, b = 3; </a:t>
-            </a:r>
-          </a:p>
-          <a:p>
-            <a:r>
-              <a:rPr lang="en-US" dirty="0" err="1" smtClean="0">
-                <a:solidFill>
-                  <a:schemeClr val="accent1">
-                    <a:lumMod val="75000"/>
-                  </a:schemeClr>
-                </a:solidFill>
-                <a:latin typeface="Calibri" pitchFamily="34" charset="0"/>
-              </a:rPr>
-              <a:t>var</a:t>
-            </a:r>
-            <a:r>
-              <a:rPr lang="en-US" dirty="0" smtClean="0">
-                <a:latin typeface="Calibri" pitchFamily="34" charset="0"/>
-              </a:rPr>
-              <a:t> </a:t>
-            </a:r>
-            <a:r>
-              <a:rPr lang="en-US" dirty="0" err="1" smtClean="0">
+              <a:t>new</a:t>
+            </a:r>
+            <a:r>
+              <a:rPr lang="en-US" dirty="0">
+                <a:latin typeface="Calibri" pitchFamily="34" charset="0"/>
+              </a:rPr>
+              <a:t> Function('a, b', ' </a:t>
+            </a:r>
+            <a:r>
+              <a:rPr lang="en-US" dirty="0">
+                <a:solidFill>
+                  <a:srgbClr val="0070C0"/>
+                </a:solidFill>
+                <a:latin typeface="Calibri" pitchFamily="34" charset="0"/>
+              </a:rPr>
+              <a:t>return</a:t>
+            </a:r>
+            <a:r>
+              <a:rPr lang="en-US" dirty="0">
+                <a:latin typeface="Calibri" pitchFamily="34" charset="0"/>
+              </a:rPr>
+              <a:t> a * b;'); </a:t>
+            </a:r>
+          </a:p>
+          <a:p>
+            <a:r>
+              <a:rPr lang="en-US" dirty="0">
+                <a:latin typeface="Calibri" pitchFamily="34" charset="0"/>
+              </a:rPr>
+              <a:t>alert( </a:t>
+            </a:r>
+            <a:r>
+              <a:rPr lang="en-US" dirty="0" err="1">
                 <a:latin typeface="Calibri" pitchFamily="34" charset="0"/>
               </a:rPr>
               <a:t>mul</a:t>
             </a:r>
             <a:r>
-              <a:rPr lang="en-US" dirty="0" smtClean="0">
-                <a:latin typeface="Calibri" pitchFamily="34" charset="0"/>
-              </a:rPr>
-              <a:t> = </a:t>
-            </a:r>
-            <a:r>
-              <a:rPr lang="en-US" dirty="0" smtClean="0">
-                <a:solidFill>
-                  <a:schemeClr val="accent1">
-                    <a:lumMod val="75000"/>
-                  </a:schemeClr>
-                </a:solidFill>
-                <a:latin typeface="Calibri" pitchFamily="34" charset="0"/>
-              </a:rPr>
-              <a:t>new</a:t>
-            </a:r>
-            <a:r>
-              <a:rPr lang="en-US" dirty="0" smtClean="0">
-                <a:latin typeface="Calibri" pitchFamily="34" charset="0"/>
-              </a:rPr>
-              <a:t> Function('a, b', ' </a:t>
-            </a:r>
-            <a:r>
-              <a:rPr lang="en-US" dirty="0" smtClean="0">
-                <a:solidFill>
-                  <a:schemeClr val="accent1">
-                    <a:lumMod val="75000"/>
-                  </a:schemeClr>
-                </a:solidFill>
-                <a:latin typeface="Calibri" pitchFamily="34" charset="0"/>
-              </a:rPr>
-              <a:t>return</a:t>
-            </a:r>
-            <a:r>
-              <a:rPr lang="en-US" dirty="0" smtClean="0">
-                <a:latin typeface="Calibri" pitchFamily="34" charset="0"/>
-              </a:rPr>
-              <a:t> a * b;'); </a:t>
-            </a:r>
-          </a:p>
-          <a:p>
-            <a:r>
-              <a:rPr lang="en-US" dirty="0" smtClean="0">
-                <a:latin typeface="Calibri" pitchFamily="34" charset="0"/>
-              </a:rPr>
-              <a:t>alert( </a:t>
-            </a:r>
-            <a:r>
-              <a:rPr lang="en-US" dirty="0" err="1" smtClean="0">
-                <a:latin typeface="Calibri" pitchFamily="34" charset="0"/>
-              </a:rPr>
-              <a:t>mul</a:t>
-            </a:r>
-            <a:r>
-              <a:rPr lang="en-US" dirty="0" smtClean="0">
+              <a:rPr lang="en-US" dirty="0">
                 <a:latin typeface="Calibri" pitchFamily="34" charset="0"/>
               </a:rPr>
               <a:t>(a, b) ); // 6</a:t>
             </a:r>
-            <a:endParaRPr lang="en-US" dirty="0">
-              <a:latin typeface="Calibri" pitchFamily="34" charset="0"/>
-            </a:endParaRPr>
           </a:p>
         </p:txBody>
       </p:sp>
     </p:spTree>
     <p:extLst>
       <p:ext uri="{BB962C8B-B14F-4D97-AF65-F5344CB8AC3E}">
-        <p14:creationId xmlns="" xmlns:p14="http://schemas.microsoft.com/office/powerpoint/2010/main" val="9290874"/>
+        <p14:creationId xmlns:p14="http://schemas.microsoft.com/office/powerpoint/2010/main" val="9290874"/>
       </p:ext>
     </p:extLst>
   </p:cSld>
   <p:clrMapOvr>
     <a:masterClrMapping/>
   </p:clrMapOvr>
-  <p:timing>
-    <p:tnLst>
-      <p:par>
-        <p:cTn id="1" dur="indefinite" restart="never" nodeType="tmRoot"/>
-      </p:par>
-    </p:tnLst>
-  </p:timing>
 </p:sld>
 </file>
 
@@ -5157,14 +5059,11 @@
           <a:lstStyle/>
           <a:p>
             <a:r>
-              <a:rPr lang="en-US" sz="2800" dirty="0" smtClean="0">
+              <a:rPr lang="en-US" sz="2800" dirty="0">
                 <a:latin typeface="Calibri" pitchFamily="34" charset="0"/>
               </a:rPr>
               <a:t>try … catch</a:t>
             </a:r>
-            <a:endParaRPr lang="en-US" sz="2800" dirty="0">
-              <a:latin typeface="Calibri" pitchFamily="34" charset="0"/>
-            </a:endParaRPr>
           </a:p>
         </p:txBody>
       </p:sp>
@@ -5204,282 +5103,284 @@
           <a:lstStyle/>
           <a:p>
             <a:r>
-              <a:rPr lang="ru-RU" dirty="0" smtClean="0">
+              <a:rPr lang="ru-RU" dirty="0">
                 <a:latin typeface="Calibri" pitchFamily="34" charset="0"/>
               </a:rPr>
               <a:t>Пример</a:t>
             </a:r>
             <a:r>
-              <a:rPr lang="en-US" dirty="0" smtClean="0">
+              <a:rPr lang="en-US" dirty="0">
                 <a:latin typeface="Calibri" pitchFamily="34" charset="0"/>
               </a:rPr>
               <a:t>: </a:t>
             </a:r>
           </a:p>
           <a:p>
-            <a:endParaRPr lang="en-US" dirty="0" smtClean="0">
-              <a:latin typeface="Calibri" pitchFamily="34" charset="0"/>
-            </a:endParaRPr>
-          </a:p>
-          <a:p>
-            <a:r>
-              <a:rPr lang="en-US" dirty="0" err="1" smtClean="0">
-                <a:solidFill>
-                  <a:schemeClr val="accent1">
-                    <a:lumMod val="75000"/>
-                  </a:schemeClr>
-                </a:solidFill>
-                <a:latin typeface="Calibri" pitchFamily="34" charset="0"/>
-              </a:rPr>
-              <a:t>var</a:t>
-            </a:r>
-            <a:r>
-              <a:rPr lang="en-US" dirty="0" smtClean="0">
-                <a:latin typeface="Calibri" pitchFamily="34" charset="0"/>
-              </a:rPr>
-              <a:t> data = "Has Error"; </a:t>
-            </a:r>
-          </a:p>
-          <a:p>
-            <a:endParaRPr lang="en-US" dirty="0" smtClean="0">
-              <a:latin typeface="Calibri" pitchFamily="34" charset="0"/>
-            </a:endParaRPr>
-          </a:p>
-          <a:p>
-            <a:r>
-              <a:rPr lang="en-US" dirty="0" smtClean="0">
-                <a:solidFill>
-                  <a:schemeClr val="accent1">
-                    <a:lumMod val="75000"/>
-                  </a:schemeClr>
-                </a:solidFill>
-                <a:latin typeface="Calibri" pitchFamily="34" charset="0"/>
-              </a:rPr>
-              <a:t>try</a:t>
-            </a:r>
-            <a:r>
-              <a:rPr lang="en-US" dirty="0" smtClean="0">
-                <a:latin typeface="Calibri" pitchFamily="34" charset="0"/>
-              </a:rPr>
-              <a:t> {</a:t>
-            </a:r>
-          </a:p>
-          <a:p>
-            <a:r>
-              <a:rPr lang="en-US" dirty="0" smtClean="0">
-                <a:latin typeface="Calibri" pitchFamily="34" charset="0"/>
-              </a:rPr>
-              <a:t> </a:t>
-            </a:r>
-            <a:r>
-              <a:rPr lang="en-US" dirty="0" err="1" smtClean="0">
-                <a:latin typeface="Calibri" pitchFamily="34" charset="0"/>
-              </a:rPr>
-              <a:t>var</a:t>
-            </a:r>
-            <a:r>
-              <a:rPr lang="en-US" dirty="0" smtClean="0">
-                <a:latin typeface="Calibri" pitchFamily="34" charset="0"/>
-              </a:rPr>
-              <a:t> user = </a:t>
-            </a:r>
-            <a:r>
-              <a:rPr lang="en-US" dirty="0" err="1" smtClean="0">
-                <a:latin typeface="Calibri" pitchFamily="34" charset="0"/>
-              </a:rPr>
-              <a:t>JSON.parse</a:t>
-            </a:r>
-            <a:r>
-              <a:rPr lang="en-US" dirty="0" smtClean="0">
-                <a:latin typeface="Calibri" pitchFamily="34" charset="0"/>
-              </a:rPr>
-              <a:t>(data); alert( </a:t>
-            </a:r>
-            <a:r>
-              <a:rPr lang="en-US" dirty="0" err="1" smtClean="0">
-                <a:latin typeface="Calibri" pitchFamily="34" charset="0"/>
-              </a:rPr>
-              <a:t>user.name</a:t>
-            </a:r>
-            <a:r>
-              <a:rPr lang="en-US" dirty="0" smtClean="0">
-                <a:latin typeface="Calibri" pitchFamily="34" charset="0"/>
-              </a:rPr>
-              <a:t> ); </a:t>
-            </a:r>
-            <a:r>
-              <a:rPr lang="uk-UA" dirty="0" smtClean="0">
-                <a:latin typeface="Calibri" pitchFamily="34" charset="0"/>
-              </a:rPr>
-              <a:t>}</a:t>
-            </a:r>
-            <a:r>
-              <a:rPr lang="en-US" dirty="0" smtClean="0">
-                <a:latin typeface="Calibri" pitchFamily="34" charset="0"/>
-              </a:rPr>
-              <a:t> </a:t>
-            </a:r>
-            <a:r>
-              <a:rPr lang="uk-UA" dirty="0" smtClean="0">
-                <a:latin typeface="Calibri" pitchFamily="34" charset="0"/>
-              </a:rPr>
-              <a:t> </a:t>
-            </a:r>
-            <a:endParaRPr lang="en-US" dirty="0" smtClean="0">
-              <a:latin typeface="Calibri" pitchFamily="34" charset="0"/>
-            </a:endParaRPr>
-          </a:p>
-          <a:p>
-            <a:endParaRPr lang="en-US" dirty="0" smtClean="0">
-              <a:latin typeface="Calibri" pitchFamily="34" charset="0"/>
-            </a:endParaRPr>
-          </a:p>
-          <a:p>
-            <a:r>
-              <a:rPr lang="en-US" dirty="0" smtClean="0">
-                <a:latin typeface="Calibri" pitchFamily="34" charset="0"/>
-              </a:rPr>
-              <a:t>catch (e) {</a:t>
-            </a:r>
-          </a:p>
-          <a:p>
-            <a:pPr algn="just"/>
-            <a:r>
-              <a:rPr lang="en-US" dirty="0" smtClean="0">
-                <a:latin typeface="Calibri" pitchFamily="34" charset="0"/>
-              </a:rPr>
-              <a:t>alert( "</a:t>
-            </a:r>
-            <a:r>
-              <a:rPr lang="uk-UA" dirty="0" err="1" smtClean="0">
-                <a:latin typeface="Calibri" pitchFamily="34" charset="0"/>
-              </a:rPr>
-              <a:t>Извините</a:t>
-            </a:r>
-            <a:r>
-              <a:rPr lang="uk-UA" dirty="0" smtClean="0">
-                <a:latin typeface="Calibri" pitchFamily="34" charset="0"/>
-              </a:rPr>
-              <a:t>, в </a:t>
-            </a:r>
-            <a:r>
-              <a:rPr lang="uk-UA" dirty="0" err="1" smtClean="0">
-                <a:latin typeface="Calibri" pitchFamily="34" charset="0"/>
-              </a:rPr>
-              <a:t>данных</a:t>
-            </a:r>
-            <a:r>
-              <a:rPr lang="uk-UA" dirty="0" smtClean="0">
-                <a:latin typeface="Calibri" pitchFamily="34" charset="0"/>
-              </a:rPr>
-              <a:t> </a:t>
-            </a:r>
-            <a:r>
-              <a:rPr lang="uk-UA" dirty="0" err="1" smtClean="0">
-                <a:latin typeface="Calibri" pitchFamily="34" charset="0"/>
-              </a:rPr>
-              <a:t>ошибка</a:t>
-            </a:r>
-            <a:r>
-              <a:rPr lang="uk-UA" dirty="0" smtClean="0">
-                <a:latin typeface="Calibri" pitchFamily="34" charset="0"/>
-              </a:rPr>
-              <a:t>, </a:t>
-            </a:r>
-            <a:r>
-              <a:rPr lang="uk-UA" dirty="0" err="1" smtClean="0">
-                <a:latin typeface="Calibri" pitchFamily="34" charset="0"/>
-              </a:rPr>
-              <a:t>мы</a:t>
-            </a:r>
-            <a:r>
-              <a:rPr lang="uk-UA" dirty="0" smtClean="0">
-                <a:latin typeface="Calibri" pitchFamily="34" charset="0"/>
-              </a:rPr>
-              <a:t> </a:t>
-            </a:r>
-            <a:r>
-              <a:rPr lang="uk-UA" dirty="0" err="1" smtClean="0">
-                <a:latin typeface="Calibri" pitchFamily="34" charset="0"/>
-              </a:rPr>
-              <a:t>попробуем</a:t>
-            </a:r>
-            <a:r>
-              <a:rPr lang="uk-UA" dirty="0" smtClean="0">
-                <a:latin typeface="Calibri" pitchFamily="34" charset="0"/>
-              </a:rPr>
-              <a:t> получить </a:t>
-            </a:r>
-            <a:r>
-              <a:rPr lang="uk-UA" dirty="0" err="1" smtClean="0">
-                <a:latin typeface="Calibri" pitchFamily="34" charset="0"/>
-              </a:rPr>
-              <a:t>их</a:t>
-            </a:r>
-            <a:r>
-              <a:rPr lang="uk-UA" dirty="0" smtClean="0">
-                <a:latin typeface="Calibri" pitchFamily="34" charset="0"/>
-              </a:rPr>
-              <a:t> </a:t>
-            </a:r>
-            <a:r>
-              <a:rPr lang="uk-UA" dirty="0" err="1" smtClean="0">
-                <a:latin typeface="Calibri" pitchFamily="34" charset="0"/>
-              </a:rPr>
-              <a:t>ещё</a:t>
-            </a:r>
-            <a:r>
-              <a:rPr lang="uk-UA" dirty="0" smtClean="0">
-                <a:latin typeface="Calibri" pitchFamily="34" charset="0"/>
-              </a:rPr>
-              <a:t> раз" ); </a:t>
-            </a:r>
-            <a:endParaRPr lang="en-US" dirty="0" smtClean="0">
-              <a:latin typeface="Calibri" pitchFamily="34" charset="0"/>
-            </a:endParaRPr>
-          </a:p>
-          <a:p>
-            <a:r>
-              <a:rPr lang="en-US" dirty="0" smtClean="0">
-                <a:latin typeface="Calibri" pitchFamily="34" charset="0"/>
-              </a:rPr>
-              <a:t>alert( </a:t>
-            </a:r>
-            <a:r>
-              <a:rPr lang="en-US" dirty="0" err="1" smtClean="0">
-                <a:latin typeface="Calibri" pitchFamily="34" charset="0"/>
-              </a:rPr>
-              <a:t>e.name</a:t>
-            </a:r>
-            <a:r>
-              <a:rPr lang="en-US" dirty="0" smtClean="0">
-                <a:latin typeface="Calibri" pitchFamily="34" charset="0"/>
-              </a:rPr>
-              <a:t> ); </a:t>
-            </a:r>
-          </a:p>
-          <a:p>
-            <a:r>
-              <a:rPr lang="en-US" dirty="0" smtClean="0">
-                <a:latin typeface="Calibri" pitchFamily="34" charset="0"/>
-              </a:rPr>
-              <a:t>alert( </a:t>
-            </a:r>
-            <a:r>
-              <a:rPr lang="en-US" dirty="0" err="1" smtClean="0">
-                <a:latin typeface="Calibri" pitchFamily="34" charset="0"/>
-              </a:rPr>
-              <a:t>e.message</a:t>
-            </a:r>
-            <a:r>
-              <a:rPr lang="en-US" dirty="0" smtClean="0">
-                <a:latin typeface="Calibri" pitchFamily="34" charset="0"/>
-              </a:rPr>
-              <a:t> ); }</a:t>
-            </a:r>
             <a:endParaRPr lang="en-US" dirty="0">
               <a:latin typeface="Calibri" pitchFamily="34" charset="0"/>
             </a:endParaRPr>
+          </a:p>
+          <a:p>
+            <a:r>
+              <a:rPr lang="en-US" dirty="0" err="1">
+                <a:solidFill>
+                  <a:srgbClr val="0070C0"/>
+                </a:solidFill>
+                <a:latin typeface="Calibri" pitchFamily="34" charset="0"/>
+              </a:rPr>
+              <a:t>var</a:t>
+            </a:r>
+            <a:r>
+              <a:rPr lang="en-US" dirty="0">
+                <a:latin typeface="Calibri" pitchFamily="34" charset="0"/>
+              </a:rPr>
+              <a:t> data = "Has Error"; </a:t>
+            </a:r>
+          </a:p>
+          <a:p>
+            <a:endParaRPr lang="en-US" dirty="0">
+              <a:latin typeface="Calibri" pitchFamily="34" charset="0"/>
+            </a:endParaRPr>
+          </a:p>
+          <a:p>
+            <a:r>
+              <a:rPr lang="en-US" dirty="0">
+                <a:solidFill>
+                  <a:srgbClr val="0070C0"/>
+                </a:solidFill>
+                <a:latin typeface="Calibri" pitchFamily="34" charset="0"/>
+              </a:rPr>
+              <a:t>try</a:t>
+            </a:r>
+            <a:r>
+              <a:rPr lang="en-US" dirty="0">
+                <a:latin typeface="Calibri" pitchFamily="34" charset="0"/>
+              </a:rPr>
+              <a:t> {</a:t>
+            </a:r>
+          </a:p>
+          <a:p>
+            <a:r>
+              <a:rPr lang="en-US" dirty="0">
+                <a:latin typeface="Calibri" pitchFamily="34" charset="0"/>
+              </a:rPr>
+              <a:t> </a:t>
+            </a:r>
+            <a:r>
+              <a:rPr lang="en-US" dirty="0" err="1">
+                <a:latin typeface="Calibri" pitchFamily="34" charset="0"/>
+              </a:rPr>
+              <a:t>var</a:t>
+            </a:r>
+            <a:r>
+              <a:rPr lang="en-US" dirty="0">
+                <a:latin typeface="Calibri" pitchFamily="34" charset="0"/>
+              </a:rPr>
+              <a:t> user = </a:t>
+            </a:r>
+            <a:r>
+              <a:rPr lang="en-US" dirty="0" err="1">
+                <a:latin typeface="Calibri" pitchFamily="34" charset="0"/>
+              </a:rPr>
+              <a:t>JSON.parse</a:t>
+            </a:r>
+            <a:r>
+              <a:rPr lang="en-US" dirty="0">
+                <a:latin typeface="Calibri" pitchFamily="34" charset="0"/>
+              </a:rPr>
+              <a:t>(data); alert( </a:t>
+            </a:r>
+            <a:r>
+              <a:rPr lang="en-US" dirty="0" err="1">
+                <a:latin typeface="Calibri" pitchFamily="34" charset="0"/>
+              </a:rPr>
+              <a:t>user.name</a:t>
+            </a:r>
+            <a:r>
+              <a:rPr lang="en-US" dirty="0">
+                <a:latin typeface="Calibri" pitchFamily="34" charset="0"/>
+              </a:rPr>
+              <a:t> ); </a:t>
+            </a:r>
+            <a:r>
+              <a:rPr lang="uk-UA" dirty="0">
+                <a:latin typeface="Calibri" pitchFamily="34" charset="0"/>
+              </a:rPr>
+              <a:t>}</a:t>
+            </a:r>
+            <a:r>
+              <a:rPr lang="en-US" dirty="0">
+                <a:latin typeface="Calibri" pitchFamily="34" charset="0"/>
+              </a:rPr>
+              <a:t> </a:t>
+            </a:r>
+            <a:r>
+              <a:rPr lang="uk-UA" dirty="0">
+                <a:latin typeface="Calibri" pitchFamily="34" charset="0"/>
+              </a:rPr>
+              <a:t> </a:t>
+            </a:r>
+            <a:endParaRPr lang="en-US" dirty="0">
+              <a:latin typeface="Calibri" pitchFamily="34" charset="0"/>
+            </a:endParaRPr>
+          </a:p>
+          <a:p>
+            <a:endParaRPr lang="en-US" dirty="0">
+              <a:latin typeface="Calibri" pitchFamily="34" charset="0"/>
+            </a:endParaRPr>
+          </a:p>
+          <a:p>
+            <a:r>
+              <a:rPr lang="en-US" dirty="0">
+                <a:solidFill>
+                  <a:srgbClr val="0070C0"/>
+                </a:solidFill>
+                <a:latin typeface="Calibri" pitchFamily="34" charset="0"/>
+              </a:rPr>
+              <a:t>catch</a:t>
+            </a:r>
+            <a:r>
+              <a:rPr lang="en-US" dirty="0">
+                <a:latin typeface="Calibri" pitchFamily="34" charset="0"/>
+              </a:rPr>
+              <a:t> (e) {</a:t>
+            </a:r>
+          </a:p>
+          <a:p>
+            <a:pPr algn="just"/>
+            <a:r>
+              <a:rPr lang="en-US" dirty="0">
+                <a:latin typeface="Calibri" pitchFamily="34" charset="0"/>
+              </a:rPr>
+              <a:t>alert( "</a:t>
+            </a:r>
+            <a:r>
+              <a:rPr lang="uk-UA" dirty="0" err="1">
+                <a:latin typeface="Calibri" pitchFamily="34" charset="0"/>
+              </a:rPr>
+              <a:t>Извините</a:t>
+            </a:r>
+            <a:r>
+              <a:rPr lang="uk-UA" dirty="0">
+                <a:latin typeface="Calibri" pitchFamily="34" charset="0"/>
+              </a:rPr>
+              <a:t>, в </a:t>
+            </a:r>
+            <a:r>
+              <a:rPr lang="uk-UA" dirty="0" err="1">
+                <a:latin typeface="Calibri" pitchFamily="34" charset="0"/>
+              </a:rPr>
+              <a:t>данных</a:t>
+            </a:r>
+            <a:r>
+              <a:rPr lang="uk-UA" dirty="0">
+                <a:latin typeface="Calibri" pitchFamily="34" charset="0"/>
+              </a:rPr>
+              <a:t> </a:t>
+            </a:r>
+            <a:r>
+              <a:rPr lang="uk-UA" dirty="0" err="1">
+                <a:latin typeface="Calibri" pitchFamily="34" charset="0"/>
+              </a:rPr>
+              <a:t>ошибка</a:t>
+            </a:r>
+            <a:r>
+              <a:rPr lang="uk-UA" dirty="0">
+                <a:latin typeface="Calibri" pitchFamily="34" charset="0"/>
+              </a:rPr>
+              <a:t>, </a:t>
+            </a:r>
+            <a:r>
+              <a:rPr lang="uk-UA" dirty="0" err="1">
+                <a:latin typeface="Calibri" pitchFamily="34" charset="0"/>
+              </a:rPr>
+              <a:t>мы</a:t>
+            </a:r>
+            <a:r>
+              <a:rPr lang="uk-UA" dirty="0">
+                <a:latin typeface="Calibri" pitchFamily="34" charset="0"/>
+              </a:rPr>
+              <a:t> </a:t>
+            </a:r>
+            <a:r>
+              <a:rPr lang="uk-UA" dirty="0" err="1">
+                <a:latin typeface="Calibri" pitchFamily="34" charset="0"/>
+              </a:rPr>
+              <a:t>попробуем</a:t>
+            </a:r>
+            <a:r>
+              <a:rPr lang="uk-UA" dirty="0">
+                <a:latin typeface="Calibri" pitchFamily="34" charset="0"/>
+              </a:rPr>
+              <a:t> получить </a:t>
+            </a:r>
+            <a:r>
+              <a:rPr lang="uk-UA" dirty="0" err="1">
+                <a:latin typeface="Calibri" pitchFamily="34" charset="0"/>
+              </a:rPr>
+              <a:t>их</a:t>
+            </a:r>
+            <a:r>
+              <a:rPr lang="uk-UA" dirty="0">
+                <a:latin typeface="Calibri" pitchFamily="34" charset="0"/>
+              </a:rPr>
+              <a:t> </a:t>
+            </a:r>
+            <a:r>
+              <a:rPr lang="uk-UA" dirty="0" err="1">
+                <a:latin typeface="Calibri" pitchFamily="34" charset="0"/>
+              </a:rPr>
+              <a:t>ещё</a:t>
+            </a:r>
+            <a:r>
+              <a:rPr lang="uk-UA" dirty="0">
+                <a:latin typeface="Calibri" pitchFamily="34" charset="0"/>
+              </a:rPr>
+              <a:t> раз" ); </a:t>
+            </a:r>
+            <a:endParaRPr lang="en-US" dirty="0">
+              <a:latin typeface="Calibri" pitchFamily="34" charset="0"/>
+            </a:endParaRPr>
+          </a:p>
+          <a:p>
+            <a:r>
+              <a:rPr lang="en-US" dirty="0">
+                <a:latin typeface="Calibri" pitchFamily="34" charset="0"/>
+              </a:rPr>
+              <a:t>alert( </a:t>
+            </a:r>
+            <a:r>
+              <a:rPr lang="en-US" dirty="0" err="1">
+                <a:latin typeface="Calibri" pitchFamily="34" charset="0"/>
+              </a:rPr>
+              <a:t>e.name</a:t>
+            </a:r>
+            <a:r>
+              <a:rPr lang="en-US" dirty="0">
+                <a:latin typeface="Calibri" pitchFamily="34" charset="0"/>
+              </a:rPr>
+              <a:t> ); </a:t>
+            </a:r>
+          </a:p>
+          <a:p>
+            <a:r>
+              <a:rPr lang="en-US" dirty="0">
+                <a:latin typeface="Calibri" pitchFamily="34" charset="0"/>
+              </a:rPr>
+              <a:t>alert( </a:t>
+            </a:r>
+            <a:r>
+              <a:rPr lang="en-US" dirty="0" err="1">
+                <a:latin typeface="Calibri" pitchFamily="34" charset="0"/>
+              </a:rPr>
+              <a:t>e.message</a:t>
+            </a:r>
+            <a:r>
+              <a:rPr lang="en-US" dirty="0">
+                <a:latin typeface="Calibri" pitchFamily="34" charset="0"/>
+              </a:rPr>
+              <a:t> ); }</a:t>
+            </a:r>
           </a:p>
         </p:txBody>
       </p:sp>
@@ -5506,73 +5407,85 @@
           <a:lstStyle/>
           <a:p>
             <a:r>
-              <a:rPr lang="ru-RU" dirty="0" smtClean="0">
+              <a:rPr lang="ru-RU" dirty="0">
                 <a:latin typeface="Calibri" pitchFamily="34" charset="0"/>
               </a:rPr>
               <a:t>Конструкция </a:t>
             </a:r>
             <a:r>
-              <a:rPr lang="ru-RU" b="1" dirty="0" err="1" smtClean="0">
+              <a:rPr lang="ru-RU" b="1" dirty="0" err="1">
+                <a:solidFill>
+                  <a:srgbClr val="0070C0"/>
+                </a:solidFill>
                 <a:latin typeface="Calibri" pitchFamily="34" charset="0"/>
               </a:rPr>
               <a:t>try</a:t>
             </a:r>
             <a:r>
-              <a:rPr lang="en-US" b="1" dirty="0" smtClean="0">
+              <a:rPr lang="en-US" b="1" dirty="0">
                 <a:latin typeface="Calibri" pitchFamily="34" charset="0"/>
               </a:rPr>
               <a:t> </a:t>
             </a:r>
             <a:r>
-              <a:rPr lang="ru-RU" b="1" dirty="0" smtClean="0">
+              <a:rPr lang="ru-RU" b="1" dirty="0">
                 <a:latin typeface="Calibri" pitchFamily="34" charset="0"/>
               </a:rPr>
               <a:t>…</a:t>
             </a:r>
             <a:r>
-              <a:rPr lang="en-US" b="1" dirty="0" smtClean="0">
+              <a:rPr lang="en-US" b="1" dirty="0">
                 <a:latin typeface="Calibri" pitchFamily="34" charset="0"/>
               </a:rPr>
               <a:t> </a:t>
             </a:r>
             <a:r>
-              <a:rPr lang="ru-RU" b="1" dirty="0" err="1" smtClean="0">
+              <a:rPr lang="ru-RU" b="1" dirty="0" err="1">
+                <a:solidFill>
+                  <a:srgbClr val="0070C0"/>
+                </a:solidFill>
                 <a:latin typeface="Calibri" pitchFamily="34" charset="0"/>
               </a:rPr>
               <a:t>catch</a:t>
             </a:r>
             <a:r>
-              <a:rPr lang="ru-RU" dirty="0" smtClean="0">
+              <a:rPr lang="ru-RU" dirty="0">
                 <a:latin typeface="Calibri" pitchFamily="34" charset="0"/>
               </a:rPr>
               <a:t> состоит из двух основных блоков: </a:t>
             </a:r>
             <a:r>
-              <a:rPr lang="ru-RU" b="1" dirty="0" err="1" smtClean="0">
+              <a:rPr lang="ru-RU" b="1" dirty="0" err="1">
+                <a:solidFill>
+                  <a:srgbClr val="0070C0"/>
+                </a:solidFill>
                 <a:latin typeface="Calibri" pitchFamily="34" charset="0"/>
               </a:rPr>
               <a:t>try</a:t>
             </a:r>
             <a:r>
-              <a:rPr lang="ru-RU" dirty="0" smtClean="0">
+              <a:rPr lang="ru-RU" dirty="0">
                 <a:latin typeface="Calibri" pitchFamily="34" charset="0"/>
               </a:rPr>
               <a:t>, и затем</a:t>
             </a:r>
             <a:r>
-              <a:rPr lang="en-US" dirty="0" smtClean="0">
+              <a:rPr lang="en-US" dirty="0">
                 <a:latin typeface="Calibri" pitchFamily="34" charset="0"/>
               </a:rPr>
               <a:t> </a:t>
             </a:r>
             <a:r>
-              <a:rPr lang="ru-RU" b="1" dirty="0" err="1" smtClean="0">
+              <a:rPr lang="ru-RU" b="1" dirty="0" err="1">
+                <a:solidFill>
+                  <a:srgbClr val="0070C0"/>
+                </a:solidFill>
                 <a:latin typeface="Calibri" pitchFamily="34" charset="0"/>
               </a:rPr>
               <a:t>catch</a:t>
             </a:r>
             <a:r>
-              <a:rPr lang="ru-RU" dirty="0" smtClean="0">
+              <a:rPr lang="ru-RU" dirty="0">
                 <a:latin typeface="Calibri" pitchFamily="34" charset="0"/>
               </a:rPr>
               <a:t>:</a:t>
@@ -5606,13 +5519,13 @@
           <a:lstStyle/>
           <a:p>
             <a:r>
-              <a:rPr lang="ru-RU" dirty="0" smtClean="0">
+              <a:rPr lang="ru-RU" dirty="0">
                 <a:latin typeface="Calibri" pitchFamily="34" charset="0"/>
               </a:rPr>
               <a:t>Алгоритм работы </a:t>
             </a:r>
             <a:r>
-              <a:rPr lang="en-US" dirty="0" smtClean="0">
+              <a:rPr lang="en-US" dirty="0">
                 <a:latin typeface="Calibri" pitchFamily="34" charset="0"/>
               </a:rPr>
               <a:t>try … catch: </a:t>
@@ -5620,7 +5533,7 @@
           </a:p>
           <a:p>
             <a:pPr algn="just"/>
-            <a:endParaRPr lang="ru-RU" dirty="0" smtClean="0">
+            <a:endParaRPr lang="ru-RU" dirty="0">
               <a:latin typeface="Calibri" pitchFamily="34" charset="0"/>
             </a:endParaRPr>
           </a:p>
@@ -5630,31 +5543,34 @@
               <a:buChar char="§"/>
             </a:pPr>
             <a:r>
-              <a:rPr lang="en-US" dirty="0" smtClean="0">
+              <a:rPr lang="en-US" dirty="0">
                 <a:latin typeface="Calibri" pitchFamily="34" charset="0"/>
               </a:rPr>
               <a:t>  </a:t>
             </a:r>
             <a:r>
-              <a:rPr lang="ru-RU" dirty="0" smtClean="0">
+              <a:rPr lang="ru-RU" dirty="0">
                 <a:latin typeface="Calibri" pitchFamily="34" charset="0"/>
               </a:rPr>
               <a:t>Выполняется код внутри блока </a:t>
             </a:r>
             <a:r>
-              <a:rPr lang="ru-RU" dirty="0" err="1" smtClean="0">
+              <a:rPr lang="ru-RU" dirty="0" err="1">
+                <a:solidFill>
+                  <a:srgbClr val="0070C0"/>
+                </a:solidFill>
                 <a:latin typeface="Calibri" pitchFamily="34" charset="0"/>
               </a:rPr>
               <a:t>try</a:t>
             </a:r>
             <a:r>
-              <a:rPr lang="ru-RU" dirty="0" smtClean="0">
+              <a:rPr lang="ru-RU" dirty="0">
                 <a:latin typeface="Calibri" pitchFamily="34" charset="0"/>
               </a:rPr>
               <a:t>.</a:t>
             </a:r>
             <a:r>
-              <a:rPr lang="en-US" dirty="0" smtClean="0">
+              <a:rPr lang="en-US" dirty="0">
                 <a:latin typeface="Calibri" pitchFamily="34" charset="0"/>
               </a:rPr>
               <a:t> </a:t>
@@ -5665,7 +5581,7 @@
               <a:buFont typeface="Wingdings" pitchFamily="2" charset="2"/>
               <a:buChar char="§"/>
             </a:pPr>
-            <a:endParaRPr lang="ru-RU" dirty="0" smtClean="0">
+            <a:endParaRPr lang="ru-RU" dirty="0">
               <a:latin typeface="Calibri" pitchFamily="34" charset="0"/>
             </a:endParaRPr>
           </a:p>
@@ -5675,61 +5591,73 @@
               <a:buChar char="§"/>
             </a:pPr>
             <a:r>
-              <a:rPr lang="en-US" dirty="0" smtClean="0">
+              <a:rPr lang="en-US" dirty="0">
                 <a:latin typeface="Calibri" pitchFamily="34" charset="0"/>
               </a:rPr>
               <a:t>  </a:t>
             </a:r>
             <a:r>
-              <a:rPr lang="ru-RU" dirty="0" smtClean="0">
+              <a:rPr lang="ru-RU" dirty="0">
                 <a:latin typeface="Calibri" pitchFamily="34" charset="0"/>
               </a:rPr>
               <a:t>Если в нём ошибок нет, то блок </a:t>
             </a:r>
             <a:r>
-              <a:rPr lang="ru-RU" dirty="0" err="1" smtClean="0">
+              <a:rPr lang="ru-RU" dirty="0" err="1">
+                <a:solidFill>
+                  <a:srgbClr val="0070C0"/>
+                </a:solidFill>
                 <a:latin typeface="Calibri" pitchFamily="34" charset="0"/>
               </a:rPr>
               <a:t>catch</a:t>
             </a:r>
             <a:r>
-              <a:rPr lang="ru-RU" dirty="0" smtClean="0">
+              <a:rPr lang="ru-RU" dirty="0">
+                <a:solidFill>
+                  <a:srgbClr val="0070C0"/>
+                </a:solidFill>
                 <a:latin typeface="Calibri" pitchFamily="34" charset="0"/>
               </a:rPr>
               <a:t>(</a:t>
             </a:r>
             <a:r>
-              <a:rPr lang="ru-RU" dirty="0" err="1" smtClean="0">
+              <a:rPr lang="ru-RU" dirty="0" err="1">
+                <a:solidFill>
+                  <a:srgbClr val="0070C0"/>
+                </a:solidFill>
                 <a:latin typeface="Calibri" pitchFamily="34" charset="0"/>
               </a:rPr>
               <a:t>err</a:t>
             </a:r>
             <a:r>
-              <a:rPr lang="ru-RU" dirty="0" smtClean="0">
+              <a:rPr lang="ru-RU" dirty="0">
                 <a:latin typeface="Calibri" pitchFamily="34" charset="0"/>
               </a:rPr>
               <a:t>) игнорируется, то есть выполнение доходит до конца </a:t>
             </a:r>
             <a:r>
-              <a:rPr lang="ru-RU" dirty="0" err="1" smtClean="0">
+              <a:rPr lang="ru-RU" dirty="0" err="1">
                 <a:latin typeface="Calibri" pitchFamily="34" charset="0"/>
               </a:rPr>
               <a:t>try</a:t>
             </a:r>
             <a:r>
-              <a:rPr lang="ru-RU" dirty="0" smtClean="0">
+              <a:rPr lang="ru-RU" dirty="0">
                 <a:latin typeface="Calibri" pitchFamily="34" charset="0"/>
               </a:rPr>
               <a:t> и потом прыгает через </a:t>
             </a:r>
             <a:r>
-              <a:rPr lang="ru-RU" dirty="0" err="1" smtClean="0">
+              <a:rPr lang="ru-RU" dirty="0" err="1">
+                <a:solidFill>
+                  <a:srgbClr val="0070C0"/>
+                </a:solidFill>
                 <a:latin typeface="Calibri" pitchFamily="34" charset="0"/>
               </a:rPr>
               <a:t>catch</a:t>
             </a:r>
             <a:r>
-              <a:rPr lang="ru-RU" dirty="0" smtClean="0">
+              <a:rPr lang="ru-RU" dirty="0">
                 <a:latin typeface="Calibri" pitchFamily="34" charset="0"/>
               </a:rPr>
               <a:t>.</a:t>
@@ -5740,7 +5668,7 @@
               <a:buFont typeface="Wingdings" pitchFamily="2" charset="2"/>
               <a:buChar char="§"/>
             </a:pPr>
-            <a:endParaRPr lang="en-US" dirty="0" smtClean="0">
+            <a:endParaRPr lang="en-US" dirty="0">
               <a:latin typeface="Calibri" pitchFamily="34" charset="0"/>
             </a:endParaRPr>
           </a:p>
@@ -5750,49 +5678,55 @@
               <a:buChar char="§"/>
             </a:pPr>
             <a:r>
-              <a:rPr lang="en-US" dirty="0" smtClean="0">
+              <a:rPr lang="en-US" dirty="0">
                 <a:latin typeface="Calibri" pitchFamily="34" charset="0"/>
               </a:rPr>
               <a:t>  </a:t>
             </a:r>
             <a:r>
-              <a:rPr lang="ru-RU" dirty="0" smtClean="0">
+              <a:rPr lang="ru-RU" dirty="0">
                 <a:latin typeface="Calibri" pitchFamily="34" charset="0"/>
               </a:rPr>
               <a:t>Если в нём возникнет ошибка, то выполнение </a:t>
             </a:r>
             <a:r>
-              <a:rPr lang="ru-RU" dirty="0" err="1" smtClean="0">
+              <a:rPr lang="ru-RU" dirty="0" err="1">
+                <a:solidFill>
+                  <a:srgbClr val="0070C0"/>
+                </a:solidFill>
                 <a:latin typeface="Calibri" pitchFamily="34" charset="0"/>
               </a:rPr>
               <a:t>try</a:t>
             </a:r>
             <a:r>
-              <a:rPr lang="ru-RU" dirty="0" smtClean="0">
+              <a:rPr lang="ru-RU" dirty="0">
                 <a:latin typeface="Calibri" pitchFamily="34" charset="0"/>
               </a:rPr>
               <a:t> на ней прерывается, и управление прыгает в начало блока </a:t>
             </a:r>
             <a:r>
-              <a:rPr lang="ru-RU" dirty="0" err="1" smtClean="0">
+              <a:rPr lang="ru-RU" dirty="0" err="1">
+                <a:solidFill>
+                  <a:srgbClr val="0070C0"/>
+                </a:solidFill>
                 <a:latin typeface="Calibri" pitchFamily="34" charset="0"/>
               </a:rPr>
               <a:t>catch</a:t>
             </a:r>
             <a:r>
-              <a:rPr lang="ru-RU" dirty="0" smtClean="0">
+              <a:rPr lang="ru-RU" dirty="0">
                 <a:latin typeface="Calibri" pitchFamily="34" charset="0"/>
               </a:rPr>
               <a:t>(</a:t>
             </a:r>
             <a:r>
-              <a:rPr lang="ru-RU" dirty="0" err="1" smtClean="0">
+              <a:rPr lang="ru-RU" dirty="0" err="1">
                 <a:latin typeface="Calibri" pitchFamily="34" charset="0"/>
               </a:rPr>
               <a:t>err</a:t>
             </a:r>
             <a:r>
-              <a:rPr lang="ru-RU" dirty="0" smtClean="0">
+              <a:rPr lang="ru-RU" dirty="0">
                 <a:latin typeface="Calibri" pitchFamily="34" charset="0"/>
               </a:rPr>
               <a:t>).</a:t>
@@ -5808,20 +5742,13 @@
     </p:spTree>
     <p:extLst>
       <p:ext uri="{BB962C8B-B14F-4D97-AF65-F5344CB8AC3E}">
-        <p14:creationId xmlns="" xmlns:p14="http://schemas.microsoft.com/office/powerpoint/2010/main" val="9290874"/>
+        <p14:creationId xmlns:p14="http://schemas.microsoft.com/office/powerpoint/2010/main" val="9290874"/>
       </p:ext>
     </p:extLst>
   </p:cSld>
   <p:clrMapOvr>
     <a:masterClrMapping/>
   </p:clrMapOvr>
-  <p:timing>
-    <p:tnLst>
-      <p:par>
-        <p:cTn id="1" dur="indefinite" restart="never" nodeType="tmRoot"/>
-      </p:par>
-    </p:tnLst>
-  </p:timing>
 </p:sld>
 </file>
 
